--- a/doc/02システム構成/システム構成図.pptx
+++ b/doc/02システム構成/システム構成図.pptx
@@ -106,6 +106,11 @@
       </a:defRPr>
     </a:lvl9pPr>
   </p:defaultTextStyle>
+  <p:extLst>
+    <p:ext uri="{EFAFB233-063F-42B5-8137-9DF3F51BA10A}">
+      <p15:sldGuideLst xmlns:p15="http://schemas.microsoft.com/office/powerpoint/2012/main"/>
+    </p:ext>
+  </p:extLst>
 </p:presentation>
 </file>
 
@@ -256,7 +261,7 @@
           <a:p>
             <a:fld id="{1DC390DC-14F3-9C48-B1B1-3D097AEF6208}" type="datetimeFigureOut">
               <a:rPr kumimoji="1" lang="ja-JP" altLang="en-US" smtClean="0"/>
-              <a:t>2019/9/3</a:t>
+              <a:t>2019/9/10</a:t>
             </a:fld>
             <a:endParaRPr kumimoji="1" lang="ja-JP" altLang="en-US"/>
           </a:p>
@@ -486,7 +491,7 @@
           <a:p>
             <a:fld id="{1DC390DC-14F3-9C48-B1B1-3D097AEF6208}" type="datetimeFigureOut">
               <a:rPr kumimoji="1" lang="ja-JP" altLang="en-US" smtClean="0"/>
-              <a:t>2019/9/3</a:t>
+              <a:t>2019/9/10</a:t>
             </a:fld>
             <a:endParaRPr kumimoji="1" lang="ja-JP" altLang="en-US"/>
           </a:p>
@@ -726,7 +731,7 @@
           <a:p>
             <a:fld id="{1DC390DC-14F3-9C48-B1B1-3D097AEF6208}" type="datetimeFigureOut">
               <a:rPr kumimoji="1" lang="ja-JP" altLang="en-US" smtClean="0"/>
-              <a:t>2019/9/3</a:t>
+              <a:t>2019/9/10</a:t>
             </a:fld>
             <a:endParaRPr kumimoji="1" lang="ja-JP" altLang="en-US"/>
           </a:p>
@@ -956,7 +961,7 @@
           <a:p>
             <a:fld id="{1DC390DC-14F3-9C48-B1B1-3D097AEF6208}" type="datetimeFigureOut">
               <a:rPr kumimoji="1" lang="ja-JP" altLang="en-US" smtClean="0"/>
-              <a:t>2019/9/3</a:t>
+              <a:t>2019/9/10</a:t>
             </a:fld>
             <a:endParaRPr kumimoji="1" lang="ja-JP" altLang="en-US"/>
           </a:p>
@@ -1231,7 +1236,7 @@
           <a:p>
             <a:fld id="{1DC390DC-14F3-9C48-B1B1-3D097AEF6208}" type="datetimeFigureOut">
               <a:rPr kumimoji="1" lang="ja-JP" altLang="en-US" smtClean="0"/>
-              <a:t>2019/9/3</a:t>
+              <a:t>2019/9/10</a:t>
             </a:fld>
             <a:endParaRPr kumimoji="1" lang="ja-JP" altLang="en-US"/>
           </a:p>
@@ -1560,7 +1565,7 @@
           <a:p>
             <a:fld id="{1DC390DC-14F3-9C48-B1B1-3D097AEF6208}" type="datetimeFigureOut">
               <a:rPr kumimoji="1" lang="ja-JP" altLang="en-US" smtClean="0"/>
-              <a:t>2019/9/3</a:t>
+              <a:t>2019/9/10</a:t>
             </a:fld>
             <a:endParaRPr kumimoji="1" lang="ja-JP" altLang="en-US"/>
           </a:p>
@@ -2036,7 +2041,7 @@
           <a:p>
             <a:fld id="{1DC390DC-14F3-9C48-B1B1-3D097AEF6208}" type="datetimeFigureOut">
               <a:rPr kumimoji="1" lang="ja-JP" altLang="en-US" smtClean="0"/>
-              <a:t>2019/9/3</a:t>
+              <a:t>2019/9/10</a:t>
             </a:fld>
             <a:endParaRPr kumimoji="1" lang="ja-JP" altLang="en-US"/>
           </a:p>
@@ -2177,7 +2182,7 @@
           <a:p>
             <a:fld id="{1DC390DC-14F3-9C48-B1B1-3D097AEF6208}" type="datetimeFigureOut">
               <a:rPr kumimoji="1" lang="ja-JP" altLang="en-US" smtClean="0"/>
-              <a:t>2019/9/3</a:t>
+              <a:t>2019/9/10</a:t>
             </a:fld>
             <a:endParaRPr kumimoji="1" lang="ja-JP" altLang="en-US"/>
           </a:p>
@@ -2290,7 +2295,7 @@
           <a:p>
             <a:fld id="{1DC390DC-14F3-9C48-B1B1-3D097AEF6208}" type="datetimeFigureOut">
               <a:rPr kumimoji="1" lang="ja-JP" altLang="en-US" smtClean="0"/>
-              <a:t>2019/9/3</a:t>
+              <a:t>2019/9/10</a:t>
             </a:fld>
             <a:endParaRPr kumimoji="1" lang="ja-JP" altLang="en-US"/>
           </a:p>
@@ -2633,7 +2638,7 @@
           <a:p>
             <a:fld id="{1DC390DC-14F3-9C48-B1B1-3D097AEF6208}" type="datetimeFigureOut">
               <a:rPr kumimoji="1" lang="ja-JP" altLang="en-US" smtClean="0"/>
-              <a:t>2019/9/3</a:t>
+              <a:t>2019/9/10</a:t>
             </a:fld>
             <a:endParaRPr kumimoji="1" lang="ja-JP" altLang="en-US"/>
           </a:p>
@@ -2921,7 +2926,7 @@
           <a:p>
             <a:fld id="{1DC390DC-14F3-9C48-B1B1-3D097AEF6208}" type="datetimeFigureOut">
               <a:rPr kumimoji="1" lang="ja-JP" altLang="en-US" smtClean="0"/>
-              <a:t>2019/9/3</a:t>
+              <a:t>2019/9/10</a:t>
             </a:fld>
             <a:endParaRPr kumimoji="1" lang="ja-JP" altLang="en-US"/>
           </a:p>
@@ -3194,7 +3199,7 @@
           <a:p>
             <a:fld id="{1DC390DC-14F3-9C48-B1B1-3D097AEF6208}" type="datetimeFigureOut">
               <a:rPr kumimoji="1" lang="ja-JP" altLang="en-US" smtClean="0"/>
-              <a:t>2019/9/3</a:t>
+              <a:t>2019/9/10</a:t>
             </a:fld>
             <a:endParaRPr kumimoji="1" lang="ja-JP" altLang="en-US"/>
           </a:p>
@@ -5326,10 +5331,10 @@
       </p:sp>
       <p:pic>
         <p:nvPicPr>
-          <p:cNvPr id="12" name="図 11">
-            <a:extLst>
-              <a:ext uri="{FF2B5EF4-FFF2-40B4-BE49-F238E27FC236}">
-                <a16:creationId xmlns:a16="http://schemas.microsoft.com/office/drawing/2014/main" id="{6CB7BB11-49EC-B843-9D91-A16740784A2D}"/>
+          <p:cNvPr id="18" name="図 17">
+            <a:extLst>
+              <a:ext uri="{FF2B5EF4-FFF2-40B4-BE49-F238E27FC236}">
+                <a16:creationId xmlns:a16="http://schemas.microsoft.com/office/drawing/2014/main" id="{B58EA845-3E3F-AE40-9144-42550F1FC9C8}"/>
               </a:ext>
             </a:extLst>
           </p:cNvPr>
@@ -5339,335 +5344,7 @@
           <p:nvPr/>
         </p:nvPicPr>
         <p:blipFill>
-          <a:blip r:embed="rId5">
-            <a:extLst>
-              <a:ext uri="{BEBA8EAE-BF5A-486C-A8C5-ECC9F3942E4B}">
-                <a14:imgProps xmlns:a14="http://schemas.microsoft.com/office/drawing/2010/main">
-                  <a14:imgLayer r:embed="rId6">
-                    <a14:imgEffect>
-                      <a14:backgroundRemoval t="3111" b="96889" l="9778" r="89778">
-                        <a14:foregroundMark x1="27111" y1="4000" x2="64000" y2="31556"/>
-                        <a14:foregroundMark x1="64000" y1="31556" x2="58222" y2="48000"/>
-                        <a14:foregroundMark x1="58222" y1="48000" x2="58667" y2="68000"/>
-                        <a14:foregroundMark x1="58667" y1="68000" x2="70667" y2="81333"/>
-                        <a14:foregroundMark x1="70667" y1="81333" x2="66222" y2="97333"/>
-                        <a14:foregroundMark x1="66222" y1="97333" x2="66222" y2="97333"/>
-                        <a14:foregroundMark x1="27556" y1="97778" x2="28000" y2="9778"/>
-                        <a14:foregroundMark x1="28000" y1="9778" x2="43556" y2="3111"/>
-                        <a14:foregroundMark x1="43556" y1="3111" x2="70667" y2="6667"/>
-                        <a14:foregroundMark x1="63111" y1="18222" x2="64889" y2="36889"/>
-                        <a14:foregroundMark x1="64889" y1="36889" x2="60000" y2="17333"/>
-                        <a14:foregroundMark x1="60000" y1="17333" x2="43556" y2="21778"/>
-                        <a14:foregroundMark x1="43556" y1="21778" x2="32444" y2="36889"/>
-                        <a14:foregroundMark x1="32444" y1="36889" x2="35556" y2="75556"/>
-                        <a14:foregroundMark x1="35556" y1="75556" x2="52889" y2="70667"/>
-                        <a14:foregroundMark x1="52889" y1="70667" x2="61333" y2="55556"/>
-                        <a14:foregroundMark x1="61333" y1="55556" x2="55556" y2="21333"/>
-                        <a14:foregroundMark x1="55556" y1="21333" x2="65333" y2="19111"/>
-                        <a14:foregroundMark x1="64889" y1="40889" x2="60444" y2="76000"/>
-                        <a14:foregroundMark x1="60444" y1="76000" x2="44889" y2="83111"/>
-                        <a14:foregroundMark x1="44889" y1="83111" x2="44889" y2="83111"/>
-                        <a14:foregroundMark x1="45778" y1="77778" x2="53778" y2="76444"/>
-                        <a14:foregroundMark x1="64000" y1="66222" x2="64000" y2="61778"/>
-                      </a14:backgroundRemoval>
-                    </a14:imgEffect>
-                  </a14:imgLayer>
-                </a14:imgProps>
-              </a:ext>
-            </a:extLst>
-          </a:blip>
-          <a:stretch>
-            <a:fillRect/>
-          </a:stretch>
-        </p:blipFill>
-        <p:spPr>
-          <a:xfrm>
-            <a:off x="9347126" y="4766781"/>
-            <a:ext cx="1329513" cy="1329513"/>
-          </a:xfrm>
-          <a:prstGeom prst="rect">
-            <a:avLst/>
-          </a:prstGeom>
-        </p:spPr>
-      </p:pic>
-      <p:sp>
-        <p:nvSpPr>
-          <p:cNvPr id="13" name="テキスト ボックス 12">
-            <a:extLst>
-              <a:ext uri="{FF2B5EF4-FFF2-40B4-BE49-F238E27FC236}">
-                <a16:creationId xmlns:a16="http://schemas.microsoft.com/office/drawing/2014/main" id="{8E180E6B-9BEA-DB4A-98A4-A8093A5ED9D1}"/>
-              </a:ext>
-            </a:extLst>
-          </p:cNvPr>
-          <p:cNvSpPr txBox="1"/>
-          <p:nvPr/>
-        </p:nvSpPr>
-        <p:spPr>
-          <a:xfrm>
-            <a:off x="8706076" y="6204794"/>
-            <a:ext cx="2611612" cy="369332"/>
-          </a:xfrm>
-          <a:prstGeom prst="rect">
-            <a:avLst/>
-          </a:prstGeom>
-          <a:noFill/>
-        </p:spPr>
-        <p:txBody>
-          <a:bodyPr wrap="none" rtlCol="0">
-            <a:spAutoFit/>
-          </a:bodyPr>
-          <a:lstStyle/>
-          <a:p>
-            <a:r>
-              <a:rPr lang="en" altLang="ja-JP" dirty="0"/>
-              <a:t>DHT11 </a:t>
-            </a:r>
-            <a:r>
-              <a:rPr lang="ja-JP" altLang="en-US"/>
-              <a:t>温湿度センサー</a:t>
-            </a:r>
-            <a:endParaRPr kumimoji="1" lang="ja-JP" altLang="en-US"/>
-          </a:p>
-        </p:txBody>
-      </p:sp>
-      <p:pic>
-        <p:nvPicPr>
-          <p:cNvPr id="14" name="図 13">
-            <a:extLst>
-              <a:ext uri="{FF2B5EF4-FFF2-40B4-BE49-F238E27FC236}">
-                <a16:creationId xmlns:a16="http://schemas.microsoft.com/office/drawing/2014/main" id="{41F76B18-5BDA-0748-92F2-71271255EEA0}"/>
-              </a:ext>
-            </a:extLst>
-          </p:cNvPr>
-          <p:cNvPicPr>
-            <a:picLocks noChangeAspect="1"/>
-          </p:cNvPicPr>
-          <p:nvPr/>
-        </p:nvPicPr>
-        <p:blipFill>
-          <a:blip r:embed="rId7">
-            <a:extLst>
-              <a:ext uri="{BEBA8EAE-BF5A-486C-A8C5-ECC9F3942E4B}">
-                <a14:imgProps xmlns:a14="http://schemas.microsoft.com/office/drawing/2010/main">
-                  <a14:imgLayer r:embed="rId8">
-                    <a14:imgEffect>
-                      <a14:backgroundRemoval t="10000" b="90000" l="10000" r="90000">
-                        <a14:foregroundMark x1="25333" y1="67556" x2="14222" y2="55111"/>
-                        <a14:foregroundMark x1="14222" y1="55111" x2="19556" y2="39111"/>
-                        <a14:foregroundMark x1="19556" y1="39111" x2="36444" y2="34222"/>
-                        <a14:foregroundMark x1="36444" y1="34222" x2="72444" y2="38222"/>
-                        <a14:foregroundMark x1="72444" y1="38222" x2="82667" y2="52000"/>
-                        <a14:foregroundMark x1="82667" y1="52000" x2="69778" y2="64000"/>
-                        <a14:foregroundMark x1="69778" y1="64000" x2="24000" y2="65778"/>
-                        <a14:foregroundMark x1="22667" y1="64000" x2="48444" y2="46222"/>
-                        <a14:foregroundMark x1="40000" y1="40889" x2="46667" y2="61778"/>
-                        <a14:foregroundMark x1="56444" y1="40889" x2="57333" y2="57778"/>
-                        <a14:foregroundMark x1="57333" y1="57778" x2="57778" y2="58222"/>
-                        <a14:backgroundMark x1="31556" y1="86667" x2="14667" y2="83556"/>
-                        <a14:backgroundMark x1="14667" y1="83556" x2="6222" y2="65778"/>
-                        <a14:backgroundMark x1="6222" y1="65778" x2="4889" y2="29333"/>
-                        <a14:backgroundMark x1="4889" y1="29333" x2="18667" y2="15556"/>
-                        <a14:backgroundMark x1="18667" y1="15556" x2="36000" y2="10222"/>
-                        <a14:backgroundMark x1="36000" y1="10222" x2="80889" y2="22222"/>
-                        <a14:backgroundMark x1="80889" y1="22222" x2="90222" y2="36444"/>
-                        <a14:backgroundMark x1="90222" y1="36444" x2="92889" y2="54222"/>
-                        <a14:backgroundMark x1="92889" y1="54222" x2="88000" y2="70222"/>
-                        <a14:backgroundMark x1="88000" y1="70222" x2="71556" y2="77333"/>
-                        <a14:backgroundMark x1="71556" y1="77333" x2="53333" y2="79556"/>
-                        <a14:backgroundMark x1="53333" y1="79556" x2="38222" y2="86667"/>
-                        <a14:backgroundMark x1="38222" y1="86667" x2="28889" y2="84000"/>
-                      </a14:backgroundRemoval>
-                    </a14:imgEffect>
-                  </a14:imgLayer>
-                </a14:imgProps>
-              </a:ext>
-            </a:extLst>
-          </a:blip>
-          <a:stretch>
-            <a:fillRect/>
-          </a:stretch>
-        </p:blipFill>
-        <p:spPr>
-          <a:xfrm>
-            <a:off x="9578004" y="854329"/>
-            <a:ext cx="2240812" cy="2240812"/>
-          </a:xfrm>
-          <a:prstGeom prst="rect">
-            <a:avLst/>
-          </a:prstGeom>
-        </p:spPr>
-      </p:pic>
-      <p:pic>
-        <p:nvPicPr>
-          <p:cNvPr id="15" name="図 14">
-            <a:extLst>
-              <a:ext uri="{FF2B5EF4-FFF2-40B4-BE49-F238E27FC236}">
-                <a16:creationId xmlns:a16="http://schemas.microsoft.com/office/drawing/2014/main" id="{6F04F32E-0E90-C346-9200-5DCFAD24555D}"/>
-              </a:ext>
-            </a:extLst>
-          </p:cNvPr>
-          <p:cNvPicPr>
-            <a:picLocks noChangeAspect="1"/>
-          </p:cNvPicPr>
-          <p:nvPr/>
-        </p:nvPicPr>
-        <p:blipFill>
-          <a:blip r:embed="rId9">
-            <a:extLst>
-              <a:ext uri="{BEBA8EAE-BF5A-486C-A8C5-ECC9F3942E4B}">
-                <a14:imgProps xmlns:a14="http://schemas.microsoft.com/office/drawing/2010/main">
-                  <a14:imgLayer r:embed="rId10">
-                    <a14:imgEffect>
-                      <a14:backgroundRemoval t="889" b="99556" l="9778" r="89778">
-                        <a14:foregroundMark x1="27556" y1="16444" x2="44000" y2="12000"/>
-                        <a14:foregroundMark x1="44000" y1="12000" x2="65333" y2="16889"/>
-                        <a14:foregroundMark x1="69333" y1="12444" x2="34667" y2="8000"/>
-                        <a14:foregroundMark x1="34667" y1="8000" x2="26222" y2="12889"/>
-                        <a14:foregroundMark x1="22222" y1="8889" x2="32889" y2="17778"/>
-                        <a14:foregroundMark x1="47111" y1="1333" x2="48000" y2="15556"/>
-                        <a14:foregroundMark x1="62222" y1="18222" x2="74222" y2="8444"/>
-                        <a14:foregroundMark x1="69333" y1="7556" x2="70667" y2="12444"/>
-                        <a14:foregroundMark x1="62222" y1="78222" x2="35111" y2="74667"/>
-                        <a14:foregroundMark x1="36889" y1="87556" x2="47111" y2="87556"/>
-                        <a14:foregroundMark x1="36444" y1="73778" x2="24889" y2="36000"/>
-                        <a14:foregroundMark x1="24889" y1="36000" x2="24444" y2="11556"/>
-                        <a14:foregroundMark x1="24444" y1="11556" x2="42222" y2="83111"/>
-                        <a14:foregroundMark x1="42222" y1="83111" x2="24000" y2="8444"/>
-                        <a14:foregroundMark x1="24000" y1="8444" x2="43556" y2="52444"/>
-                        <a14:foregroundMark x1="43556" y1="52444" x2="41333" y2="1333"/>
-                        <a14:foregroundMark x1="41333" y1="1333" x2="48444" y2="43111"/>
-                        <a14:foregroundMark x1="48444" y1="43111" x2="46222" y2="18667"/>
-                        <a14:foregroundMark x1="46222" y1="18667" x2="55111" y2="43111"/>
-                        <a14:foregroundMark x1="55111" y1="43111" x2="42222" y2="17333"/>
-                        <a14:foregroundMark x1="42222" y1="17333" x2="53333" y2="64444"/>
-                        <a14:foregroundMark x1="53333" y1="64444" x2="57778" y2="40444"/>
-                        <a14:foregroundMark x1="57778" y1="40444" x2="54222" y2="11556"/>
-                        <a14:foregroundMark x1="54222" y1="11556" x2="74667" y2="99111"/>
-                        <a14:foregroundMark x1="74667" y1="99111" x2="46667" y2="889"/>
-                        <a14:foregroundMark x1="46667" y1="889" x2="36889" y2="16444"/>
-                        <a14:foregroundMark x1="36889" y1="16444" x2="50667" y2="38222"/>
-                        <a14:foregroundMark x1="50667" y1="38222" x2="51556" y2="44444"/>
-                        <a14:foregroundMark x1="58222" y1="19111" x2="73778" y2="50667"/>
-                        <a14:foregroundMark x1="73778" y1="50667" x2="74222" y2="67556"/>
-                        <a14:foregroundMark x1="74222" y1="67556" x2="56000" y2="99556"/>
-                        <a14:foregroundMark x1="56000" y1="99556" x2="49778" y2="83111"/>
-                        <a14:foregroundMark x1="49778" y1="83111" x2="54667" y2="99111"/>
-                        <a14:foregroundMark x1="54667" y1="99111" x2="49333" y2="83556"/>
-                        <a14:foregroundMark x1="49333" y1="83556" x2="39556" y2="84444"/>
-                        <a14:foregroundMark x1="39556" y1="84444" x2="43111" y2="89333"/>
-                        <a14:foregroundMark x1="38222" y1="87556" x2="49333" y2="99556"/>
-                      </a14:backgroundRemoval>
-                    </a14:imgEffect>
-                  </a14:imgLayer>
-                </a14:imgProps>
-              </a:ext>
-            </a:extLst>
-          </a:blip>
-          <a:stretch>
-            <a:fillRect/>
-          </a:stretch>
-        </p:blipFill>
-        <p:spPr>
-          <a:xfrm>
-            <a:off x="7970818" y="1450334"/>
-            <a:ext cx="1051711" cy="1051711"/>
-          </a:xfrm>
-          <a:prstGeom prst="rect">
-            <a:avLst/>
-          </a:prstGeom>
-        </p:spPr>
-      </p:pic>
-      <p:sp>
-        <p:nvSpPr>
-          <p:cNvPr id="16" name="テキスト ボックス 15">
-            <a:extLst>
-              <a:ext uri="{FF2B5EF4-FFF2-40B4-BE49-F238E27FC236}">
-                <a16:creationId xmlns:a16="http://schemas.microsoft.com/office/drawing/2014/main" id="{27F8D36F-9548-7B47-82B6-E5F94C69CA1C}"/>
-              </a:ext>
-            </a:extLst>
-          </p:cNvPr>
-          <p:cNvSpPr txBox="1"/>
-          <p:nvPr/>
-        </p:nvSpPr>
-        <p:spPr>
-          <a:xfrm>
-            <a:off x="7832068" y="2455487"/>
-            <a:ext cx="1329210" cy="369332"/>
-          </a:xfrm>
-          <a:prstGeom prst="rect">
-            <a:avLst/>
-          </a:prstGeom>
-          <a:noFill/>
-        </p:spPr>
-        <p:txBody>
-          <a:bodyPr wrap="none" rtlCol="0">
-            <a:spAutoFit/>
-          </a:bodyPr>
-          <a:lstStyle/>
-          <a:p>
-            <a:r>
-              <a:rPr kumimoji="1" lang="ja-JP" altLang="en-US"/>
-              <a:t>赤外線</a:t>
-            </a:r>
-            <a:r>
-              <a:rPr kumimoji="1" lang="en-US" altLang="ja-JP" dirty="0"/>
-              <a:t>LED</a:t>
-            </a:r>
-            <a:endParaRPr kumimoji="1" lang="ja-JP" altLang="en-US"/>
-          </a:p>
-        </p:txBody>
-      </p:sp>
-      <p:sp>
-        <p:nvSpPr>
-          <p:cNvPr id="17" name="テキスト ボックス 16">
-            <a:extLst>
-              <a:ext uri="{FF2B5EF4-FFF2-40B4-BE49-F238E27FC236}">
-                <a16:creationId xmlns:a16="http://schemas.microsoft.com/office/drawing/2014/main" id="{5D3C9C06-A61E-6D42-80C3-75179962F2BF}"/>
-              </a:ext>
-            </a:extLst>
-          </p:cNvPr>
-          <p:cNvSpPr txBox="1"/>
-          <p:nvPr/>
-        </p:nvSpPr>
-        <p:spPr>
-          <a:xfrm>
-            <a:off x="10238057" y="2461376"/>
-            <a:ext cx="877163" cy="369332"/>
-          </a:xfrm>
-          <a:prstGeom prst="rect">
-            <a:avLst/>
-          </a:prstGeom>
-          <a:noFill/>
-        </p:spPr>
-        <p:txBody>
-          <a:bodyPr wrap="none" rtlCol="0">
-            <a:spAutoFit/>
-          </a:bodyPr>
-          <a:lstStyle/>
-          <a:p>
-            <a:r>
-              <a:rPr kumimoji="1" lang="ja-JP" altLang="en-US"/>
-              <a:t>冷暖房</a:t>
-            </a:r>
-          </a:p>
-        </p:txBody>
-      </p:sp>
-      <p:pic>
-        <p:nvPicPr>
-          <p:cNvPr id="18" name="図 17">
-            <a:extLst>
-              <a:ext uri="{FF2B5EF4-FFF2-40B4-BE49-F238E27FC236}">
-                <a16:creationId xmlns:a16="http://schemas.microsoft.com/office/drawing/2014/main" id="{B58EA845-3E3F-AE40-9144-42550F1FC9C8}"/>
-              </a:ext>
-            </a:extLst>
-          </p:cNvPr>
-          <p:cNvPicPr>
-            <a:picLocks noChangeAspect="1"/>
-          </p:cNvPicPr>
-          <p:nvPr/>
-        </p:nvPicPr>
-        <p:blipFill>
-          <a:blip r:embed="rId11"/>
+          <a:blip r:embed="rId5"/>
           <a:stretch>
             <a:fillRect/>
           </a:stretch>
@@ -5738,13 +5415,15 @@
               </a:ext>
             </a:extLst>
           </p:cNvPr>
-          <p:cNvCxnSpPr/>
+          <p:cNvCxnSpPr>
+            <a:cxnSpLocks/>
+          </p:cNvCxnSpPr>
           <p:nvPr/>
         </p:nvCxnSpPr>
         <p:spPr>
           <a:xfrm>
             <a:off x="5091120" y="3859189"/>
-            <a:ext cx="1316768" cy="0"/>
+            <a:ext cx="1309680" cy="25024"/>
           </a:xfrm>
           <a:prstGeom prst="straightConnector1">
             <a:avLst/>
@@ -5774,118 +5453,85 @@
           </a:fontRef>
         </p:style>
       </p:cxnSp>
+      <p:pic>
+        <p:nvPicPr>
+          <p:cNvPr id="3" name="図 2">
+            <a:extLst>
+              <a:ext uri="{FF2B5EF4-FFF2-40B4-BE49-F238E27FC236}">
+                <a16:creationId xmlns:a16="http://schemas.microsoft.com/office/drawing/2014/main" id="{4040A072-5258-CE40-B8F5-3CA18D13612A}"/>
+              </a:ext>
+            </a:extLst>
+          </p:cNvPr>
+          <p:cNvPicPr>
+            <a:picLocks noChangeAspect="1"/>
+          </p:cNvPicPr>
+          <p:nvPr/>
+        </p:nvPicPr>
+        <p:blipFill>
+          <a:blip r:embed="rId6"/>
+          <a:stretch>
+            <a:fillRect/>
+          </a:stretch>
+        </p:blipFill>
+        <p:spPr>
+          <a:xfrm>
+            <a:off x="9649148" y="4302931"/>
+            <a:ext cx="1662151" cy="1624752"/>
+          </a:xfrm>
+          <a:prstGeom prst="rect">
+            <a:avLst/>
+          </a:prstGeom>
+        </p:spPr>
+      </p:pic>
+      <p:pic>
+        <p:nvPicPr>
+          <p:cNvPr id="8" name="図 7">
+            <a:extLst>
+              <a:ext uri="{FF2B5EF4-FFF2-40B4-BE49-F238E27FC236}">
+                <a16:creationId xmlns:a16="http://schemas.microsoft.com/office/drawing/2014/main" id="{5B113F85-AEFD-2545-8CEB-C25337BAC7FA}"/>
+              </a:ext>
+            </a:extLst>
+          </p:cNvPr>
+          <p:cNvPicPr>
+            <a:picLocks noChangeAspect="1"/>
+          </p:cNvPicPr>
+          <p:nvPr/>
+        </p:nvPicPr>
+        <p:blipFill>
+          <a:blip r:embed="rId7"/>
+          <a:stretch>
+            <a:fillRect/>
+          </a:stretch>
+        </p:blipFill>
+        <p:spPr>
+          <a:xfrm flipH="1">
+            <a:off x="8987619" y="3371518"/>
+            <a:ext cx="1025931" cy="1025931"/>
+          </a:xfrm>
+          <a:prstGeom prst="rect">
+            <a:avLst/>
+          </a:prstGeom>
+        </p:spPr>
+      </p:pic>
       <p:cxnSp>
         <p:nvCxnSpPr>
-          <p:cNvPr id="23" name="カギ線コネクタ 22">
-            <a:extLst>
-              <a:ext uri="{FF2B5EF4-FFF2-40B4-BE49-F238E27FC236}">
-                <a16:creationId xmlns:a16="http://schemas.microsoft.com/office/drawing/2014/main" id="{A7E139FD-004D-884C-924E-7600AAC67F8B}"/>
+          <p:cNvPr id="24" name="直線矢印コネクタ 23">
+            <a:extLst>
+              <a:ext uri="{FF2B5EF4-FFF2-40B4-BE49-F238E27FC236}">
+                <a16:creationId xmlns:a16="http://schemas.microsoft.com/office/drawing/2014/main" id="{332054CD-02EE-BA4B-BBAB-F82F9A995DB9}"/>
               </a:ext>
             </a:extLst>
           </p:cNvPr>
           <p:cNvCxnSpPr>
             <a:cxnSpLocks/>
-            <a:stCxn id="9" idx="0"/>
-            <a:endCxn id="15" idx="1"/>
+            <a:endCxn id="8" idx="3"/>
           </p:cNvCxnSpPr>
           <p:nvPr/>
         </p:nvCxnSpPr>
         <p:spPr>
-          <a:xfrm rot="5400000" flipH="1" flipV="1">
-            <a:off x="6987071" y="1993886"/>
-            <a:ext cx="1001443" cy="966052"/>
-          </a:xfrm>
-          <a:prstGeom prst="bentConnector2">
-            <a:avLst/>
-          </a:prstGeom>
-          <a:ln w="19050">
-            <a:solidFill>
-              <a:schemeClr val="tx1"/>
-            </a:solidFill>
-            <a:tailEnd type="triangle"/>
-          </a:ln>
-        </p:spPr>
-        <p:style>
-          <a:lnRef idx="1">
-            <a:schemeClr val="accent1"/>
-          </a:lnRef>
-          <a:fillRef idx="0">
-            <a:schemeClr val="accent1"/>
-          </a:fillRef>
-          <a:effectRef idx="0">
-            <a:schemeClr val="accent1"/>
-          </a:effectRef>
-          <a:fontRef idx="minor">
-            <a:schemeClr val="tx1"/>
-          </a:fontRef>
-        </p:style>
-      </p:cxnSp>
-      <p:cxnSp>
-        <p:nvCxnSpPr>
-          <p:cNvPr id="25" name="カギ線コネクタ 24">
-            <a:extLst>
-              <a:ext uri="{FF2B5EF4-FFF2-40B4-BE49-F238E27FC236}">
-                <a16:creationId xmlns:a16="http://schemas.microsoft.com/office/drawing/2014/main" id="{BD9BF827-51E0-5847-9319-86C11B57101C}"/>
-              </a:ext>
-            </a:extLst>
-          </p:cNvPr>
-          <p:cNvCxnSpPr>
-            <a:cxnSpLocks/>
-            <a:stCxn id="10" idx="2"/>
-            <a:endCxn id="12" idx="1"/>
-          </p:cNvCxnSpPr>
-          <p:nvPr/>
-        </p:nvCxnSpPr>
-        <p:spPr>
-          <a:xfrm rot="16200000" flipH="1">
-            <a:off x="7843568" y="3927979"/>
-            <a:ext cx="664757" cy="2342360"/>
-          </a:xfrm>
-          <a:prstGeom prst="bentConnector2">
-            <a:avLst/>
-          </a:prstGeom>
-          <a:ln w="19050">
-            <a:solidFill>
-              <a:schemeClr val="tx1"/>
-            </a:solidFill>
-            <a:tailEnd type="triangle"/>
-          </a:ln>
-        </p:spPr>
-        <p:style>
-          <a:lnRef idx="1">
-            <a:schemeClr val="accent1"/>
-          </a:lnRef>
-          <a:fillRef idx="0">
-            <a:schemeClr val="accent1"/>
-          </a:fillRef>
-          <a:effectRef idx="0">
-            <a:schemeClr val="accent1"/>
-          </a:effectRef>
-          <a:fontRef idx="minor">
-            <a:schemeClr val="tx1"/>
-          </a:fontRef>
-        </p:style>
-      </p:cxnSp>
-      <p:cxnSp>
-        <p:nvCxnSpPr>
-          <p:cNvPr id="31" name="直線矢印コネクタ 30">
-            <a:extLst>
-              <a:ext uri="{FF2B5EF4-FFF2-40B4-BE49-F238E27FC236}">
-                <a16:creationId xmlns:a16="http://schemas.microsoft.com/office/drawing/2014/main" id="{93670FA5-0330-BC41-AFF8-EA84C24DB439}"/>
-              </a:ext>
-            </a:extLst>
-          </p:cNvPr>
-          <p:cNvCxnSpPr>
-            <a:cxnSpLocks/>
-            <a:stCxn id="15" idx="3"/>
-            <a:endCxn id="14" idx="1"/>
-          </p:cNvCxnSpPr>
-          <p:nvPr/>
-        </p:nvCxnSpPr>
-        <p:spPr>
-          <a:xfrm flipV="1">
-            <a:off x="9022529" y="1974735"/>
-            <a:ext cx="555475" cy="1455"/>
+          <a:xfrm>
+            <a:off x="7583870" y="3884484"/>
+            <a:ext cx="1403749" cy="0"/>
           </a:xfrm>
           <a:prstGeom prst="straightConnector1">
             <a:avLst/>
@@ -5896,8 +5542,8 @@
             </a:solidFill>
             <a:prstDash val="solid"/>
             <a:round/>
-            <a:headEnd type="none" w="med" len="med"/>
-            <a:tailEnd type="triangle" w="med" len="med"/>
+            <a:headEnd type="triangle" w="med" len="med"/>
+            <a:tailEnd type="none" w="med" len="med"/>
           </a:ln>
         </p:spPr>
         <p:style>
@@ -5915,6 +5561,41 @@
           </a:fontRef>
         </p:style>
       </p:cxnSp>
+      <p:sp>
+        <p:nvSpPr>
+          <p:cNvPr id="29" name="テキスト ボックス 28">
+            <a:extLst>
+              <a:ext uri="{FF2B5EF4-FFF2-40B4-BE49-F238E27FC236}">
+                <a16:creationId xmlns:a16="http://schemas.microsoft.com/office/drawing/2014/main" id="{18BDEF71-08AB-9247-AD07-82D3709421DA}"/>
+              </a:ext>
+            </a:extLst>
+          </p:cNvPr>
+          <p:cNvSpPr txBox="1"/>
+          <p:nvPr/>
+        </p:nvSpPr>
+        <p:spPr>
+          <a:xfrm>
+            <a:off x="8452059" y="3061727"/>
+            <a:ext cx="2097049" cy="369332"/>
+          </a:xfrm>
+          <a:prstGeom prst="rect">
+            <a:avLst/>
+          </a:prstGeom>
+          <a:noFill/>
+        </p:spPr>
+        <p:txBody>
+          <a:bodyPr wrap="none" rtlCol="0">
+            <a:spAutoFit/>
+          </a:bodyPr>
+          <a:lstStyle/>
+          <a:p>
+            <a:r>
+              <a:rPr kumimoji="1" lang="ja-JP" altLang="en-US"/>
+              <a:t>カメラモジュール </a:t>
+            </a:r>
+          </a:p>
+        </p:txBody>
+      </p:sp>
     </p:spTree>
     <p:extLst>
       <p:ext uri="{BB962C8B-B14F-4D97-AF65-F5344CB8AC3E}">

--- a/doc/02システム構成/システム構成図.pptx
+++ b/doc/02システム構成/システム構成図.pptx
@@ -114,6 +114,777 @@
 </p:presentation>
 </file>
 
+<file path=ppt/changesInfos/changesInfo1.xml><?xml version="1.0" encoding="utf-8"?>
+<pc:chgInfo xmlns:a="http://schemas.openxmlformats.org/drawingml/2006/main" xmlns:r="http://schemas.openxmlformats.org/officeDocument/2006/relationships" xmlns:ac="http://schemas.microsoft.com/office/drawing/2013/main/command" xmlns:pc="http://schemas.microsoft.com/office/powerpoint/2013/main/command">
+  <pc:docChgLst>
+    <pc:chgData name="grossreich92@outlook.jp" userId="cf5527f1d2a621a4" providerId="LiveId" clId="{7FA8A231-F171-4111-9FC7-9DD06668B8A1}"/>
+    <pc:docChg chg="undo custSel modSld">
+      <pc:chgData name="grossreich92@outlook.jp" userId="cf5527f1d2a621a4" providerId="LiveId" clId="{7FA8A231-F171-4111-9FC7-9DD06668B8A1}" dt="2019-11-28T05:18:37.125" v="641" actId="1076"/>
+      <pc:docMkLst>
+        <pc:docMk/>
+      </pc:docMkLst>
+      <pc:sldChg chg="addSp delSp modSp">
+        <pc:chgData name="grossreich92@outlook.jp" userId="cf5527f1d2a621a4" providerId="LiveId" clId="{7FA8A231-F171-4111-9FC7-9DD06668B8A1}" dt="2019-11-28T05:18:37.125" v="641" actId="1076"/>
+        <pc:sldMkLst>
+          <pc:docMk/>
+          <pc:sldMk cId="3169312243" sldId="256"/>
+        </pc:sldMkLst>
+        <pc:spChg chg="add del mod">
+          <ac:chgData name="grossreich92@outlook.jp" userId="cf5527f1d2a621a4" providerId="LiveId" clId="{7FA8A231-F171-4111-9FC7-9DD06668B8A1}" dt="2019-11-21T05:25:31.786" v="181"/>
+          <ac:spMkLst>
+            <pc:docMk/>
+            <pc:sldMk cId="3169312243" sldId="256"/>
+            <ac:spMk id="6" creationId="{186E2296-89E9-4C4F-BADB-1D77A52EBA90}"/>
+          </ac:spMkLst>
+        </pc:spChg>
+        <pc:spChg chg="del">
+          <ac:chgData name="grossreich92@outlook.jp" userId="cf5527f1d2a621a4" providerId="LiveId" clId="{7FA8A231-F171-4111-9FC7-9DD06668B8A1}" dt="2019-11-21T03:38:32.370" v="14" actId="478"/>
+          <ac:spMkLst>
+            <pc:docMk/>
+            <pc:sldMk cId="3169312243" sldId="256"/>
+            <ac:spMk id="7" creationId="{4C6BC871-4A03-1445-83A1-52315AECCBEA}"/>
+          </ac:spMkLst>
+        </pc:spChg>
+        <pc:spChg chg="mod">
+          <ac:chgData name="grossreich92@outlook.jp" userId="cf5527f1d2a621a4" providerId="LiveId" clId="{7FA8A231-F171-4111-9FC7-9DD06668B8A1}" dt="2019-11-28T05:15:31.795" v="581" actId="1076"/>
+          <ac:spMkLst>
+            <pc:docMk/>
+            <pc:sldMk cId="3169312243" sldId="256"/>
+            <ac:spMk id="13" creationId="{8E180E6B-9BEA-DB4A-98A4-A8093A5ED9D1}"/>
+          </ac:spMkLst>
+        </pc:spChg>
+        <pc:spChg chg="mod">
+          <ac:chgData name="grossreich92@outlook.jp" userId="cf5527f1d2a621a4" providerId="LiveId" clId="{7FA8A231-F171-4111-9FC7-9DD06668B8A1}" dt="2019-11-28T05:18:37.125" v="641" actId="1076"/>
+          <ac:spMkLst>
+            <pc:docMk/>
+            <pc:sldMk cId="3169312243" sldId="256"/>
+            <ac:spMk id="16" creationId="{27F8D36F-9548-7B47-82B6-E5F94C69CA1C}"/>
+          </ac:spMkLst>
+        </pc:spChg>
+        <pc:spChg chg="mod">
+          <ac:chgData name="grossreich92@outlook.jp" userId="cf5527f1d2a621a4" providerId="LiveId" clId="{7FA8A231-F171-4111-9FC7-9DD06668B8A1}" dt="2019-11-28T05:15:20.782" v="579" actId="1076"/>
+          <ac:spMkLst>
+            <pc:docMk/>
+            <pc:sldMk cId="3169312243" sldId="256"/>
+            <ac:spMk id="17" creationId="{5D3C9C06-A61E-6D42-80C3-75179962F2BF}"/>
+          </ac:spMkLst>
+        </pc:spChg>
+        <pc:spChg chg="add del mod">
+          <ac:chgData name="grossreich92@outlook.jp" userId="cf5527f1d2a621a4" providerId="LiveId" clId="{7FA8A231-F171-4111-9FC7-9DD06668B8A1}" dt="2019-11-21T05:24:12.194" v="166" actId="478"/>
+          <ac:spMkLst>
+            <pc:docMk/>
+            <pc:sldMk cId="3169312243" sldId="256"/>
+            <ac:spMk id="28" creationId="{97CD26F2-38A7-493E-BCAC-7641DC29004B}"/>
+          </ac:spMkLst>
+        </pc:spChg>
+        <pc:spChg chg="add del mod">
+          <ac:chgData name="grossreich92@outlook.jp" userId="cf5527f1d2a621a4" providerId="LiveId" clId="{7FA8A231-F171-4111-9FC7-9DD06668B8A1}" dt="2019-11-22T03:04:48.815" v="451" actId="478"/>
+          <ac:spMkLst>
+            <pc:docMk/>
+            <pc:sldMk cId="3169312243" sldId="256"/>
+            <ac:spMk id="30" creationId="{9E12473B-41EB-4B7C-910E-B8BD5A89E1B3}"/>
+          </ac:spMkLst>
+        </pc:spChg>
+        <pc:spChg chg="add mod">
+          <ac:chgData name="grossreich92@outlook.jp" userId="cf5527f1d2a621a4" providerId="LiveId" clId="{7FA8A231-F171-4111-9FC7-9DD06668B8A1}" dt="2019-11-28T05:17:00.572" v="623" actId="1076"/>
+          <ac:spMkLst>
+            <pc:docMk/>
+            <pc:sldMk cId="3169312243" sldId="256"/>
+            <ac:spMk id="56" creationId="{C3F8FFB9-FD0B-4F8A-AF72-53CB0BABE27A}"/>
+          </ac:spMkLst>
+        </pc:spChg>
+        <pc:spChg chg="add mod">
+          <ac:chgData name="grossreich92@outlook.jp" userId="cf5527f1d2a621a4" providerId="LiveId" clId="{7FA8A231-F171-4111-9FC7-9DD06668B8A1}" dt="2019-11-28T05:17:20.018" v="637" actId="1076"/>
+          <ac:spMkLst>
+            <pc:docMk/>
+            <pc:sldMk cId="3169312243" sldId="256"/>
+            <ac:spMk id="57" creationId="{2B9AD5A8-27DC-41CD-8CCC-B96594212E3B}"/>
+          </ac:spMkLst>
+        </pc:spChg>
+        <pc:picChg chg="add del mod">
+          <ac:chgData name="grossreich92@outlook.jp" userId="cf5527f1d2a621a4" providerId="LiveId" clId="{7FA8A231-F171-4111-9FC7-9DD06668B8A1}" dt="2019-11-28T05:10:57.275" v="515" actId="478"/>
+          <ac:picMkLst>
+            <pc:docMk/>
+            <pc:sldMk cId="3169312243" sldId="256"/>
+            <ac:picMk id="4" creationId="{5C80AECB-E0A2-4F5F-85AD-524CD2197A2F}"/>
+          </ac:picMkLst>
+        </pc:picChg>
+        <pc:picChg chg="del">
+          <ac:chgData name="grossreich92@outlook.jp" userId="cf5527f1d2a621a4" providerId="LiveId" clId="{7FA8A231-F171-4111-9FC7-9DD06668B8A1}" dt="2019-11-21T03:38:30.690" v="13" actId="478"/>
+          <ac:picMkLst>
+            <pc:docMk/>
+            <pc:sldMk cId="3169312243" sldId="256"/>
+            <ac:picMk id="4" creationId="{DC0F8746-7FBF-A042-AA8A-9B75FB9C894B}"/>
+          </ac:picMkLst>
+        </pc:picChg>
+        <pc:picChg chg="del">
+          <ac:chgData name="grossreich92@outlook.jp" userId="cf5527f1d2a621a4" providerId="LiveId" clId="{7FA8A231-F171-4111-9FC7-9DD06668B8A1}" dt="2019-11-21T03:32:42.757" v="7" actId="478"/>
+          <ac:picMkLst>
+            <pc:docMk/>
+            <pc:sldMk cId="3169312243" sldId="256"/>
+            <ac:picMk id="5" creationId="{5566CF40-91CC-3D4E-BA54-1422B9BD6056}"/>
+          </ac:picMkLst>
+        </pc:picChg>
+        <pc:picChg chg="add mod">
+          <ac:chgData name="grossreich92@outlook.jp" userId="cf5527f1d2a621a4" providerId="LiveId" clId="{7FA8A231-F171-4111-9FC7-9DD06668B8A1}" dt="2019-11-28T05:16:16.571" v="595" actId="1076"/>
+          <ac:picMkLst>
+            <pc:docMk/>
+            <pc:sldMk cId="3169312243" sldId="256"/>
+            <ac:picMk id="7" creationId="{51E09F55-3DB3-40C6-8206-5D10246E98BD}"/>
+          </ac:picMkLst>
+        </pc:picChg>
+        <pc:picChg chg="add del mod">
+          <ac:chgData name="grossreich92@outlook.jp" userId="cf5527f1d2a621a4" providerId="LiveId" clId="{7FA8A231-F171-4111-9FC7-9DD06668B8A1}" dt="2019-11-22T02:52:11.300" v="327" actId="478"/>
+          <ac:picMkLst>
+            <pc:docMk/>
+            <pc:sldMk cId="3169312243" sldId="256"/>
+            <ac:picMk id="8" creationId="{A0692680-BBF6-44C4-BF4B-99F00B78E209}"/>
+          </ac:picMkLst>
+        </pc:picChg>
+        <pc:picChg chg="mod">
+          <ac:chgData name="grossreich92@outlook.jp" userId="cf5527f1d2a621a4" providerId="LiveId" clId="{7FA8A231-F171-4111-9FC7-9DD06668B8A1}" dt="2019-11-28T05:15:28.765" v="580" actId="1076"/>
+          <ac:picMkLst>
+            <pc:docMk/>
+            <pc:sldMk cId="3169312243" sldId="256"/>
+            <ac:picMk id="12" creationId="{6CB7BB11-49EC-B843-9D91-A16740784A2D}"/>
+          </ac:picMkLst>
+        </pc:picChg>
+        <pc:picChg chg="mod">
+          <ac:chgData name="grossreich92@outlook.jp" userId="cf5527f1d2a621a4" providerId="LiveId" clId="{7FA8A231-F171-4111-9FC7-9DD06668B8A1}" dt="2019-11-28T05:15:50.854" v="588" actId="1076"/>
+          <ac:picMkLst>
+            <pc:docMk/>
+            <pc:sldMk cId="3169312243" sldId="256"/>
+            <ac:picMk id="14" creationId="{41F76B18-5BDA-0748-92F2-71271255EEA0}"/>
+          </ac:picMkLst>
+        </pc:picChg>
+        <pc:picChg chg="mod">
+          <ac:chgData name="grossreich92@outlook.jp" userId="cf5527f1d2a621a4" providerId="LiveId" clId="{7FA8A231-F171-4111-9FC7-9DD06668B8A1}" dt="2019-11-28T05:14:45.289" v="567" actId="1076"/>
+          <ac:picMkLst>
+            <pc:docMk/>
+            <pc:sldMk cId="3169312243" sldId="256"/>
+            <ac:picMk id="15" creationId="{6F04F32E-0E90-C346-9200-5DCFAD24555D}"/>
+          </ac:picMkLst>
+        </pc:picChg>
+        <pc:picChg chg="add del mod">
+          <ac:chgData name="grossreich92@outlook.jp" userId="cf5527f1d2a621a4" providerId="LiveId" clId="{7FA8A231-F171-4111-9FC7-9DD06668B8A1}" dt="2019-11-21T03:43:17.842" v="19" actId="478"/>
+          <ac:picMkLst>
+            <pc:docMk/>
+            <pc:sldMk cId="3169312243" sldId="256"/>
+            <ac:picMk id="19" creationId="{01FE12A5-F2FB-49BA-9C4A-F323C83C97A6}"/>
+          </ac:picMkLst>
+        </pc:picChg>
+        <pc:picChg chg="add mod">
+          <ac:chgData name="grossreich92@outlook.jp" userId="cf5527f1d2a621a4" providerId="LiveId" clId="{7FA8A231-F171-4111-9FC7-9DD06668B8A1}" dt="2019-11-28T05:16:12.334" v="594" actId="1076"/>
+          <ac:picMkLst>
+            <pc:docMk/>
+            <pc:sldMk cId="3169312243" sldId="256"/>
+            <ac:picMk id="19" creationId="{9D6276E5-AD37-4862-B334-BACBD1848E35}"/>
+          </ac:picMkLst>
+        </pc:picChg>
+        <pc:picChg chg="add del">
+          <ac:chgData name="grossreich92@outlook.jp" userId="cf5527f1d2a621a4" providerId="LiveId" clId="{7FA8A231-F171-4111-9FC7-9DD06668B8A1}" dt="2019-11-22T03:04:46.020" v="450" actId="478"/>
+          <ac:picMkLst>
+            <pc:docMk/>
+            <pc:sldMk cId="3169312243" sldId="256"/>
+            <ac:picMk id="22" creationId="{60A8FDCE-6B88-4B07-B596-252A588D3EF0}"/>
+          </ac:picMkLst>
+        </pc:picChg>
+        <pc:picChg chg="add">
+          <ac:chgData name="grossreich92@outlook.jp" userId="cf5527f1d2a621a4" providerId="LiveId" clId="{7FA8A231-F171-4111-9FC7-9DD06668B8A1}" dt="2019-11-22T03:04:52.861" v="452"/>
+          <ac:picMkLst>
+            <pc:docMk/>
+            <pc:sldMk cId="3169312243" sldId="256"/>
+            <ac:picMk id="24" creationId="{62FD2EDA-BB11-492F-9BC9-4C8AFA7E8274}"/>
+          </ac:picMkLst>
+        </pc:picChg>
+        <pc:picChg chg="add del mod">
+          <ac:chgData name="grossreich92@outlook.jp" userId="cf5527f1d2a621a4" providerId="LiveId" clId="{7FA8A231-F171-4111-9FC7-9DD06668B8A1}" dt="2019-11-21T05:24:10.509" v="165" actId="478"/>
+          <ac:picMkLst>
+            <pc:docMk/>
+            <pc:sldMk cId="3169312243" sldId="256"/>
+            <ac:picMk id="24" creationId="{9AB1C586-D014-4B67-8E48-B137FB244893}"/>
+          </ac:picMkLst>
+        </pc:picChg>
+        <pc:picChg chg="add del mod">
+          <ac:chgData name="grossreich92@outlook.jp" userId="cf5527f1d2a621a4" providerId="LiveId" clId="{7FA8A231-F171-4111-9FC7-9DD06668B8A1}" dt="2019-11-22T02:32:14.964" v="283" actId="478"/>
+          <ac:picMkLst>
+            <pc:docMk/>
+            <pc:sldMk cId="3169312243" sldId="256"/>
+            <ac:picMk id="27" creationId="{688A879D-A062-445E-B24B-7C01407ABB45}"/>
+          </ac:picMkLst>
+        </pc:picChg>
+        <pc:cxnChg chg="mod">
+          <ac:chgData name="grossreich92@outlook.jp" userId="cf5527f1d2a621a4" providerId="LiveId" clId="{7FA8A231-F171-4111-9FC7-9DD06668B8A1}" dt="2019-11-28T05:16:12.334" v="594" actId="1076"/>
+          <ac:cxnSpMkLst>
+            <pc:docMk/>
+            <pc:sldMk cId="3169312243" sldId="256"/>
+            <ac:cxnSpMk id="23" creationId="{A7E139FD-004D-884C-924E-7600AAC67F8B}"/>
+          </ac:cxnSpMkLst>
+        </pc:cxnChg>
+        <pc:cxnChg chg="mod">
+          <ac:chgData name="grossreich92@outlook.jp" userId="cf5527f1d2a621a4" providerId="LiveId" clId="{7FA8A231-F171-4111-9FC7-9DD06668B8A1}" dt="2019-11-28T05:15:28.765" v="580" actId="1076"/>
+          <ac:cxnSpMkLst>
+            <pc:docMk/>
+            <pc:sldMk cId="3169312243" sldId="256"/>
+            <ac:cxnSpMk id="25" creationId="{BD9BF827-51E0-5847-9319-86C11B57101C}"/>
+          </ac:cxnSpMkLst>
+        </pc:cxnChg>
+        <pc:cxnChg chg="mod">
+          <ac:chgData name="grossreich92@outlook.jp" userId="cf5527f1d2a621a4" providerId="LiveId" clId="{7FA8A231-F171-4111-9FC7-9DD06668B8A1}" dt="2019-11-28T05:18:09.993" v="640" actId="14100"/>
+          <ac:cxnSpMkLst>
+            <pc:docMk/>
+            <pc:sldMk cId="3169312243" sldId="256"/>
+            <ac:cxnSpMk id="31" creationId="{93670FA5-0330-BC41-AFF8-EA84C24DB439}"/>
+          </ac:cxnSpMkLst>
+        </pc:cxnChg>
+        <pc:cxnChg chg="add mod">
+          <ac:chgData name="grossreich92@outlook.jp" userId="cf5527f1d2a621a4" providerId="LiveId" clId="{7FA8A231-F171-4111-9FC7-9DD06668B8A1}" dt="2019-11-28T05:15:06.518" v="574" actId="14100"/>
+          <ac:cxnSpMkLst>
+            <pc:docMk/>
+            <pc:sldMk cId="3169312243" sldId="256"/>
+            <ac:cxnSpMk id="32" creationId="{78970CBB-D260-484C-AA26-87322DA3F0A9}"/>
+          </ac:cxnSpMkLst>
+        </pc:cxnChg>
+        <pc:cxnChg chg="add del mod">
+          <ac:chgData name="grossreich92@outlook.jp" userId="cf5527f1d2a621a4" providerId="LiveId" clId="{7FA8A231-F171-4111-9FC7-9DD06668B8A1}" dt="2019-11-28T05:12:25.440" v="540" actId="478"/>
+          <ac:cxnSpMkLst>
+            <pc:docMk/>
+            <pc:sldMk cId="3169312243" sldId="256"/>
+            <ac:cxnSpMk id="33" creationId="{355E3A52-EAF4-48F7-848C-179D8E1C6D3D}"/>
+          </ac:cxnSpMkLst>
+        </pc:cxnChg>
+        <pc:cxnChg chg="add mod">
+          <ac:chgData name="grossreich92@outlook.jp" userId="cf5527f1d2a621a4" providerId="LiveId" clId="{7FA8A231-F171-4111-9FC7-9DD06668B8A1}" dt="2019-11-28T05:15:50.854" v="588" actId="1076"/>
+          <ac:cxnSpMkLst>
+            <pc:docMk/>
+            <pc:sldMk cId="3169312243" sldId="256"/>
+            <ac:cxnSpMk id="35" creationId="{50CEF507-E9FC-4D92-8D6D-A2A97CDD0F87}"/>
+          </ac:cxnSpMkLst>
+        </pc:cxnChg>
+      </pc:sldChg>
+      <pc:sldChg chg="addSp delSp modSp">
+        <pc:chgData name="grossreich92@outlook.jp" userId="cf5527f1d2a621a4" providerId="LiveId" clId="{7FA8A231-F171-4111-9FC7-9DD06668B8A1}" dt="2019-11-28T05:02:49.625" v="511" actId="478"/>
+        <pc:sldMkLst>
+          <pc:docMk/>
+          <pc:sldMk cId="375769986" sldId="257"/>
+        </pc:sldMkLst>
+        <pc:spChg chg="del">
+          <ac:chgData name="grossreich92@outlook.jp" userId="cf5527f1d2a621a4" providerId="LiveId" clId="{7FA8A231-F171-4111-9FC7-9DD06668B8A1}" dt="2019-11-21T05:19:54.224" v="158" actId="478"/>
+          <ac:spMkLst>
+            <pc:docMk/>
+            <pc:sldMk cId="375769986" sldId="257"/>
+            <ac:spMk id="6" creationId="{186E2296-89E9-4C4F-BADB-1D77A52EBA90}"/>
+          </ac:spMkLst>
+        </pc:spChg>
+        <pc:spChg chg="del">
+          <ac:chgData name="grossreich92@outlook.jp" userId="cf5527f1d2a621a4" providerId="LiveId" clId="{7FA8A231-F171-4111-9FC7-9DD06668B8A1}" dt="2019-11-21T05:19:56.077" v="160" actId="478"/>
+          <ac:spMkLst>
+            <pc:docMk/>
+            <pc:sldMk cId="375769986" sldId="257"/>
+            <ac:spMk id="7" creationId="{4C6BC871-4A03-1445-83A1-52315AECCBEA}"/>
+          </ac:spMkLst>
+        </pc:spChg>
+        <pc:spChg chg="mod">
+          <ac:chgData name="grossreich92@outlook.jp" userId="cf5527f1d2a621a4" providerId="LiveId" clId="{7FA8A231-F171-4111-9FC7-9DD06668B8A1}" dt="2019-11-22T02:25:14.132" v="243" actId="1076"/>
+          <ac:spMkLst>
+            <pc:docMk/>
+            <pc:sldMk cId="375769986" sldId="257"/>
+            <ac:spMk id="10" creationId="{AEA72058-FE52-B946-86B0-D1AB1817183F}"/>
+          </ac:spMkLst>
+        </pc:spChg>
+        <pc:spChg chg="add del mod">
+          <ac:chgData name="grossreich92@outlook.jp" userId="cf5527f1d2a621a4" providerId="LiveId" clId="{7FA8A231-F171-4111-9FC7-9DD06668B8A1}" dt="2019-11-21T05:25:21.523" v="179" actId="478"/>
+          <ac:spMkLst>
+            <pc:docMk/>
+            <pc:sldMk cId="375769986" sldId="257"/>
+            <ac:spMk id="16" creationId="{53122EC0-EF24-4729-B060-8F410CC37FAC}"/>
+          </ac:spMkLst>
+        </pc:spChg>
+        <pc:spChg chg="add del mod">
+          <ac:chgData name="grossreich92@outlook.jp" userId="cf5527f1d2a621a4" providerId="LiveId" clId="{7FA8A231-F171-4111-9FC7-9DD06668B8A1}" dt="2019-11-21T05:25:21.523" v="179" actId="478"/>
+          <ac:spMkLst>
+            <pc:docMk/>
+            <pc:sldMk cId="375769986" sldId="257"/>
+            <ac:spMk id="23" creationId="{C38983DC-5431-4D65-BE77-80369A144A5B}"/>
+          </ac:spMkLst>
+        </pc:spChg>
+        <pc:spChg chg="add del mod">
+          <ac:chgData name="grossreich92@outlook.jp" userId="cf5527f1d2a621a4" providerId="LiveId" clId="{7FA8A231-F171-4111-9FC7-9DD06668B8A1}" dt="2019-11-21T05:25:21.523" v="179" actId="478"/>
+          <ac:spMkLst>
+            <pc:docMk/>
+            <pc:sldMk cId="375769986" sldId="257"/>
+            <ac:spMk id="24" creationId="{4AAEB1F7-4D09-4D69-97E2-1D955290EB9A}"/>
+          </ac:spMkLst>
+        </pc:spChg>
+        <pc:spChg chg="add">
+          <ac:chgData name="grossreich92@outlook.jp" userId="cf5527f1d2a621a4" providerId="LiveId" clId="{7FA8A231-F171-4111-9FC7-9DD06668B8A1}" dt="2019-11-21T05:25:35.079" v="182"/>
+          <ac:spMkLst>
+            <pc:docMk/>
+            <pc:sldMk cId="375769986" sldId="257"/>
+            <ac:spMk id="25" creationId="{35A8401D-057A-4070-B041-CD2B1B6D61DB}"/>
+          </ac:spMkLst>
+        </pc:spChg>
+        <pc:spChg chg="add del">
+          <ac:chgData name="grossreich92@outlook.jp" userId="cf5527f1d2a621a4" providerId="LiveId" clId="{7FA8A231-F171-4111-9FC7-9DD06668B8A1}" dt="2019-11-22T03:04:28.350" v="447" actId="478"/>
+          <ac:spMkLst>
+            <pc:docMk/>
+            <pc:sldMk cId="375769986" sldId="257"/>
+            <ac:spMk id="29" creationId="{E15C874C-0195-4E24-AA6A-33F2258F2E3F}"/>
+          </ac:spMkLst>
+        </pc:spChg>
+        <pc:spChg chg="add del">
+          <ac:chgData name="grossreich92@outlook.jp" userId="cf5527f1d2a621a4" providerId="LiveId" clId="{7FA8A231-F171-4111-9FC7-9DD06668B8A1}" dt="2019-11-21T05:32:00.130" v="194"/>
+          <ac:spMkLst>
+            <pc:docMk/>
+            <pc:sldMk cId="375769986" sldId="257"/>
+            <ac:spMk id="30" creationId="{94F0AE01-9E09-46AD-8893-3EE2EFA651C3}"/>
+          </ac:spMkLst>
+        </pc:spChg>
+        <pc:spChg chg="add del">
+          <ac:chgData name="grossreich92@outlook.jp" userId="cf5527f1d2a621a4" providerId="LiveId" clId="{7FA8A231-F171-4111-9FC7-9DD06668B8A1}" dt="2019-11-21T05:32:00.130" v="194"/>
+          <ac:spMkLst>
+            <pc:docMk/>
+            <pc:sldMk cId="375769986" sldId="257"/>
+            <ac:spMk id="33" creationId="{BF0FF3E3-3B58-49C0-A416-C10EBAC97C11}"/>
+          </ac:spMkLst>
+        </pc:spChg>
+        <pc:picChg chg="del">
+          <ac:chgData name="grossreich92@outlook.jp" userId="cf5527f1d2a621a4" providerId="LiveId" clId="{7FA8A231-F171-4111-9FC7-9DD06668B8A1}" dt="2019-11-21T05:19:54.824" v="159" actId="478"/>
+          <ac:picMkLst>
+            <pc:docMk/>
+            <pc:sldMk cId="375769986" sldId="257"/>
+            <ac:picMk id="4" creationId="{DC0F8746-7FBF-A042-AA8A-9B75FB9C894B}"/>
+          </ac:picMkLst>
+        </pc:picChg>
+        <pc:picChg chg="del">
+          <ac:chgData name="grossreich92@outlook.jp" userId="cf5527f1d2a621a4" providerId="LiveId" clId="{7FA8A231-F171-4111-9FC7-9DD06668B8A1}" dt="2019-11-21T05:19:53.163" v="157" actId="478"/>
+          <ac:picMkLst>
+            <pc:docMk/>
+            <pc:sldMk cId="375769986" sldId="257"/>
+            <ac:picMk id="5" creationId="{5566CF40-91CC-3D4E-BA54-1422B9BD6056}"/>
+          </ac:picMkLst>
+        </pc:picChg>
+        <pc:picChg chg="add mod">
+          <ac:chgData name="grossreich92@outlook.jp" userId="cf5527f1d2a621a4" providerId="LiveId" clId="{7FA8A231-F171-4111-9FC7-9DD06668B8A1}" dt="2019-11-22T03:04:39.379" v="449" actId="1076"/>
+          <ac:picMkLst>
+            <pc:docMk/>
+            <pc:sldMk cId="375769986" sldId="257"/>
+            <ac:picMk id="16" creationId="{A42DCE9F-1811-4840-BD88-4CD610A0E29D}"/>
+          </ac:picMkLst>
+        </pc:picChg>
+        <pc:picChg chg="add del mod">
+          <ac:chgData name="grossreich92@outlook.jp" userId="cf5527f1d2a621a4" providerId="LiveId" clId="{7FA8A231-F171-4111-9FC7-9DD06668B8A1}" dt="2019-11-21T05:25:21.523" v="179" actId="478"/>
+          <ac:picMkLst>
+            <pc:docMk/>
+            <pc:sldMk cId="375769986" sldId="257"/>
+            <ac:picMk id="17" creationId="{263119C1-8C72-4B07-BA3B-B6FBD9042D52}"/>
+          </ac:picMkLst>
+        </pc:picChg>
+        <pc:picChg chg="add del mod">
+          <ac:chgData name="grossreich92@outlook.jp" userId="cf5527f1d2a621a4" providerId="LiveId" clId="{7FA8A231-F171-4111-9FC7-9DD06668B8A1}" dt="2019-11-21T05:25:21.523" v="179" actId="478"/>
+          <ac:picMkLst>
+            <pc:docMk/>
+            <pc:sldMk cId="375769986" sldId="257"/>
+            <ac:picMk id="19" creationId="{B4C177EA-5908-4031-B261-9EE84DB0F569}"/>
+          </ac:picMkLst>
+        </pc:picChg>
+        <pc:picChg chg="add del mod">
+          <ac:chgData name="grossreich92@outlook.jp" userId="cf5527f1d2a621a4" providerId="LiveId" clId="{7FA8A231-F171-4111-9FC7-9DD06668B8A1}" dt="2019-11-21T05:25:21.523" v="179" actId="478"/>
+          <ac:picMkLst>
+            <pc:docMk/>
+            <pc:sldMk cId="375769986" sldId="257"/>
+            <ac:picMk id="22" creationId="{A375D5A2-9C60-47C3-A6F3-C2C44D4C112C}"/>
+          </ac:picMkLst>
+        </pc:picChg>
+        <pc:picChg chg="add del">
+          <ac:chgData name="grossreich92@outlook.jp" userId="cf5527f1d2a621a4" providerId="LiveId" clId="{7FA8A231-F171-4111-9FC7-9DD06668B8A1}" dt="2019-11-22T02:52:12.142" v="328" actId="478"/>
+          <ac:picMkLst>
+            <pc:docMk/>
+            <pc:sldMk cId="375769986" sldId="257"/>
+            <ac:picMk id="27" creationId="{A7318EFF-2860-40BF-A246-09634543B982}"/>
+          </ac:picMkLst>
+        </pc:picChg>
+        <pc:picChg chg="add del mod">
+          <ac:chgData name="grossreich92@outlook.jp" userId="cf5527f1d2a621a4" providerId="LiveId" clId="{7FA8A231-F171-4111-9FC7-9DD06668B8A1}" dt="2019-11-22T03:04:25.429" v="446" actId="478"/>
+          <ac:picMkLst>
+            <pc:docMk/>
+            <pc:sldMk cId="375769986" sldId="257"/>
+            <ac:picMk id="28" creationId="{5F166775-C132-4A1D-9DD4-4E8FE33C7DB4}"/>
+          </ac:picMkLst>
+        </pc:picChg>
+        <pc:picChg chg="add del">
+          <ac:chgData name="grossreich92@outlook.jp" userId="cf5527f1d2a621a4" providerId="LiveId" clId="{7FA8A231-F171-4111-9FC7-9DD06668B8A1}" dt="2019-11-21T05:32:00.130" v="194"/>
+          <ac:picMkLst>
+            <pc:docMk/>
+            <pc:sldMk cId="375769986" sldId="257"/>
+            <ac:picMk id="31" creationId="{5A968188-AFBD-4C43-9395-65AD87A94FDA}"/>
+          </ac:picMkLst>
+        </pc:picChg>
+        <pc:picChg chg="add del">
+          <ac:chgData name="grossreich92@outlook.jp" userId="cf5527f1d2a621a4" providerId="LiveId" clId="{7FA8A231-F171-4111-9FC7-9DD06668B8A1}" dt="2019-11-21T05:32:00.130" v="194"/>
+          <ac:picMkLst>
+            <pc:docMk/>
+            <pc:sldMk cId="375769986" sldId="257"/>
+            <ac:picMk id="32" creationId="{6F9BF849-66F9-4058-934F-C2268D4A1E2A}"/>
+          </ac:picMkLst>
+        </pc:picChg>
+        <pc:cxnChg chg="add del mod">
+          <ac:chgData name="grossreich92@outlook.jp" userId="cf5527f1d2a621a4" providerId="LiveId" clId="{7FA8A231-F171-4111-9FC7-9DD06668B8A1}" dt="2019-11-28T04:57:14.122" v="479" actId="11529"/>
+          <ac:cxnSpMkLst>
+            <pc:docMk/>
+            <pc:sldMk cId="375769986" sldId="257"/>
+            <ac:cxnSpMk id="4" creationId="{42975443-C442-4B01-9C50-7881CF594FFB}"/>
+          </ac:cxnSpMkLst>
+        </pc:cxnChg>
+        <pc:cxnChg chg="add del mod ord">
+          <ac:chgData name="grossreich92@outlook.jp" userId="cf5527f1d2a621a4" providerId="LiveId" clId="{7FA8A231-F171-4111-9FC7-9DD06668B8A1}" dt="2019-11-28T05:01:00.860" v="504" actId="478"/>
+          <ac:cxnSpMkLst>
+            <pc:docMk/>
+            <pc:sldMk cId="375769986" sldId="257"/>
+            <ac:cxnSpMk id="6" creationId="{73408570-7C46-430C-917A-01E6E2E3FA00}"/>
+          </ac:cxnSpMkLst>
+        </pc:cxnChg>
+        <pc:cxnChg chg="add mod">
+          <ac:chgData name="grossreich92@outlook.jp" userId="cf5527f1d2a621a4" providerId="LiveId" clId="{7FA8A231-F171-4111-9FC7-9DD06668B8A1}" dt="2019-11-28T05:02:29.803" v="510" actId="1076"/>
+          <ac:cxnSpMkLst>
+            <pc:docMk/>
+            <pc:sldMk cId="375769986" sldId="257"/>
+            <ac:cxnSpMk id="20" creationId="{5D51DF81-B8AB-4A89-B21B-966FAAD60136}"/>
+          </ac:cxnSpMkLst>
+        </pc:cxnChg>
+        <pc:cxnChg chg="del mod">
+          <ac:chgData name="grossreich92@outlook.jp" userId="cf5527f1d2a621a4" providerId="LiveId" clId="{7FA8A231-F171-4111-9FC7-9DD06668B8A1}" dt="2019-11-21T05:31:45.204" v="187" actId="478"/>
+          <ac:cxnSpMkLst>
+            <pc:docMk/>
+            <pc:sldMk cId="375769986" sldId="257"/>
+            <ac:cxnSpMk id="20" creationId="{B5D983EF-4B28-A245-89B0-E05E72927B9E}"/>
+          </ac:cxnSpMkLst>
+        </pc:cxnChg>
+        <pc:cxnChg chg="del mod">
+          <ac:chgData name="grossreich92@outlook.jp" userId="cf5527f1d2a621a4" providerId="LiveId" clId="{7FA8A231-F171-4111-9FC7-9DD06668B8A1}" dt="2019-11-21T05:31:46.106" v="188" actId="478"/>
+          <ac:cxnSpMkLst>
+            <pc:docMk/>
+            <pc:sldMk cId="375769986" sldId="257"/>
+            <ac:cxnSpMk id="21" creationId="{3B3C3D03-9224-3E4A-BFDE-3440B4722A5F}"/>
+          </ac:cxnSpMkLst>
+        </pc:cxnChg>
+        <pc:cxnChg chg="add del mod ord">
+          <ac:chgData name="grossreich92@outlook.jp" userId="cf5527f1d2a621a4" providerId="LiveId" clId="{7FA8A231-F171-4111-9FC7-9DD06668B8A1}" dt="2019-11-28T05:01:04.084" v="505" actId="478"/>
+          <ac:cxnSpMkLst>
+            <pc:docMk/>
+            <pc:sldMk cId="375769986" sldId="257"/>
+            <ac:cxnSpMk id="34" creationId="{44062D22-B7C9-4EBF-9CA3-0C500FF54F09}"/>
+          </ac:cxnSpMkLst>
+        </pc:cxnChg>
+        <pc:cxnChg chg="add del">
+          <ac:chgData name="grossreich92@outlook.jp" userId="cf5527f1d2a621a4" providerId="LiveId" clId="{7FA8A231-F171-4111-9FC7-9DD06668B8A1}" dt="2019-11-28T05:02:49.625" v="511" actId="478"/>
+          <ac:cxnSpMkLst>
+            <pc:docMk/>
+            <pc:sldMk cId="375769986" sldId="257"/>
+            <ac:cxnSpMk id="35" creationId="{4CBA1F13-FF4C-4FD9-8DC1-985B50487866}"/>
+          </ac:cxnSpMkLst>
+        </pc:cxnChg>
+      </pc:sldChg>
+      <pc:sldChg chg="addSp delSp modSp">
+        <pc:chgData name="grossreich92@outlook.jp" userId="cf5527f1d2a621a4" providerId="LiveId" clId="{7FA8A231-F171-4111-9FC7-9DD06668B8A1}" dt="2019-11-28T04:56:29.173" v="476" actId="14100"/>
+        <pc:sldMkLst>
+          <pc:docMk/>
+          <pc:sldMk cId="445670076" sldId="258"/>
+        </pc:sldMkLst>
+        <pc:spChg chg="del">
+          <ac:chgData name="grossreich92@outlook.jp" userId="cf5527f1d2a621a4" providerId="LiveId" clId="{7FA8A231-F171-4111-9FC7-9DD06668B8A1}" dt="2019-11-21T05:19:48.468" v="154" actId="478"/>
+          <ac:spMkLst>
+            <pc:docMk/>
+            <pc:sldMk cId="445670076" sldId="258"/>
+            <ac:spMk id="6" creationId="{186E2296-89E9-4C4F-BADB-1D77A52EBA90}"/>
+          </ac:spMkLst>
+        </pc:spChg>
+        <pc:spChg chg="del">
+          <ac:chgData name="grossreich92@outlook.jp" userId="cf5527f1d2a621a4" providerId="LiveId" clId="{7FA8A231-F171-4111-9FC7-9DD06668B8A1}" dt="2019-11-21T05:19:50.930" v="156" actId="478"/>
+          <ac:spMkLst>
+            <pc:docMk/>
+            <pc:sldMk cId="445670076" sldId="258"/>
+            <ac:spMk id="7" creationId="{4C6BC871-4A03-1445-83A1-52315AECCBEA}"/>
+          </ac:spMkLst>
+        </pc:spChg>
+        <pc:spChg chg="add del mod ord">
+          <ac:chgData name="grossreich92@outlook.jp" userId="cf5527f1d2a621a4" providerId="LiveId" clId="{7FA8A231-F171-4111-9FC7-9DD06668B8A1}" dt="2019-11-22T02:27:18.120" v="247" actId="478"/>
+          <ac:spMkLst>
+            <pc:docMk/>
+            <pc:sldMk cId="445670076" sldId="258"/>
+            <ac:spMk id="11" creationId="{2BC3C1EB-BC36-43CD-B186-1254A0B114EE}"/>
+          </ac:spMkLst>
+        </pc:spChg>
+        <pc:spChg chg="add del mod">
+          <ac:chgData name="grossreich92@outlook.jp" userId="cf5527f1d2a621a4" providerId="LiveId" clId="{7FA8A231-F171-4111-9FC7-9DD06668B8A1}" dt="2019-11-22T02:34:52.030" v="292" actId="478"/>
+          <ac:spMkLst>
+            <pc:docMk/>
+            <pc:sldMk cId="445670076" sldId="258"/>
+            <ac:spMk id="15" creationId="{E5B8953B-EB79-4DCB-9E40-DC403CA23959}"/>
+          </ac:spMkLst>
+        </pc:spChg>
+        <pc:spChg chg="add del mod">
+          <ac:chgData name="grossreich92@outlook.jp" userId="cf5527f1d2a621a4" providerId="LiveId" clId="{7FA8A231-F171-4111-9FC7-9DD06668B8A1}" dt="2019-11-21T05:35:46.087" v="202" actId="14100"/>
+          <ac:spMkLst>
+            <pc:docMk/>
+            <pc:sldMk cId="445670076" sldId="258"/>
+            <ac:spMk id="16" creationId="{4290792F-C194-442D-B535-668AC6698794}"/>
+          </ac:spMkLst>
+        </pc:spChg>
+        <pc:spChg chg="add del mod">
+          <ac:chgData name="grossreich92@outlook.jp" userId="cf5527f1d2a621a4" providerId="LiveId" clId="{7FA8A231-F171-4111-9FC7-9DD06668B8A1}" dt="2019-11-22T02:53:20.984" v="337" actId="478"/>
+          <ac:spMkLst>
+            <pc:docMk/>
+            <pc:sldMk cId="445670076" sldId="258"/>
+            <ac:spMk id="23" creationId="{837E1F40-6E4E-45E3-B507-7D1477DA20D4}"/>
+          </ac:spMkLst>
+        </pc:spChg>
+        <pc:spChg chg="add del mod">
+          <ac:chgData name="grossreich92@outlook.jp" userId="cf5527f1d2a621a4" providerId="LiveId" clId="{7FA8A231-F171-4111-9FC7-9DD06668B8A1}" dt="2019-11-22T02:54:13.539" v="351" actId="478"/>
+          <ac:spMkLst>
+            <pc:docMk/>
+            <pc:sldMk cId="445670076" sldId="258"/>
+            <ac:spMk id="25" creationId="{06DF8C4D-6ADA-46B1-9C47-0B397D3E2691}"/>
+          </ac:spMkLst>
+        </pc:spChg>
+        <pc:spChg chg="add del mod">
+          <ac:chgData name="grossreich92@outlook.jp" userId="cf5527f1d2a621a4" providerId="LiveId" clId="{7FA8A231-F171-4111-9FC7-9DD06668B8A1}" dt="2019-11-22T02:53:26.005" v="340" actId="478"/>
+          <ac:spMkLst>
+            <pc:docMk/>
+            <pc:sldMk cId="445670076" sldId="258"/>
+            <ac:spMk id="30" creationId="{0870A5AB-5EA3-43E2-AFB1-9A9AFF7B6446}"/>
+          </ac:spMkLst>
+        </pc:spChg>
+        <pc:spChg chg="add del mod">
+          <ac:chgData name="grossreich92@outlook.jp" userId="cf5527f1d2a621a4" providerId="LiveId" clId="{7FA8A231-F171-4111-9FC7-9DD06668B8A1}" dt="2019-11-22T03:05:53.485" v="458" actId="478"/>
+          <ac:spMkLst>
+            <pc:docMk/>
+            <pc:sldMk cId="445670076" sldId="258"/>
+            <ac:spMk id="66" creationId="{4E74DB17-E232-4B77-8E80-677942EF2F87}"/>
+          </ac:spMkLst>
+        </pc:spChg>
+        <pc:picChg chg="del">
+          <ac:chgData name="grossreich92@outlook.jp" userId="cf5527f1d2a621a4" providerId="LiveId" clId="{7FA8A231-F171-4111-9FC7-9DD06668B8A1}" dt="2019-11-21T05:19:49.256" v="155" actId="478"/>
+          <ac:picMkLst>
+            <pc:docMk/>
+            <pc:sldMk cId="445670076" sldId="258"/>
+            <ac:picMk id="4" creationId="{DC0F8746-7FBF-A042-AA8A-9B75FB9C894B}"/>
+          </ac:picMkLst>
+        </pc:picChg>
+        <pc:picChg chg="add del mod">
+          <ac:chgData name="grossreich92@outlook.jp" userId="cf5527f1d2a621a4" providerId="LiveId" clId="{7FA8A231-F171-4111-9FC7-9DD06668B8A1}" dt="2019-11-22T02:53:24.175" v="339" actId="478"/>
+          <ac:picMkLst>
+            <pc:docMk/>
+            <pc:sldMk cId="445670076" sldId="258"/>
+            <ac:picMk id="5" creationId="{34E762CB-B742-4D10-B770-2F220191AB2F}"/>
+          </ac:picMkLst>
+        </pc:picChg>
+        <pc:picChg chg="del">
+          <ac:chgData name="grossreich92@outlook.jp" userId="cf5527f1d2a621a4" providerId="LiveId" clId="{7FA8A231-F171-4111-9FC7-9DD06668B8A1}" dt="2019-11-21T05:19:47.784" v="153" actId="478"/>
+          <ac:picMkLst>
+            <pc:docMk/>
+            <pc:sldMk cId="445670076" sldId="258"/>
+            <ac:picMk id="5" creationId="{5566CF40-91CC-3D4E-BA54-1422B9BD6056}"/>
+          </ac:picMkLst>
+        </pc:picChg>
+        <pc:picChg chg="add del mod">
+          <ac:chgData name="grossreich92@outlook.jp" userId="cf5527f1d2a621a4" providerId="LiveId" clId="{7FA8A231-F171-4111-9FC7-9DD06668B8A1}" dt="2019-11-22T02:52:10.622" v="326" actId="478"/>
+          <ac:picMkLst>
+            <pc:docMk/>
+            <pc:sldMk cId="445670076" sldId="258"/>
+            <ac:picMk id="17" creationId="{1573EFC1-BC07-422A-91E5-CBDA9A1DDE3B}"/>
+          </ac:picMkLst>
+        </pc:picChg>
+        <pc:picChg chg="add del mod">
+          <ac:chgData name="grossreich92@outlook.jp" userId="cf5527f1d2a621a4" providerId="LiveId" clId="{7FA8A231-F171-4111-9FC7-9DD06668B8A1}" dt="2019-11-22T02:53:19.602" v="336" actId="478"/>
+          <ac:picMkLst>
+            <pc:docMk/>
+            <pc:sldMk cId="445670076" sldId="258"/>
+            <ac:picMk id="19" creationId="{B627B356-C300-44F4-9408-591208DA526F}"/>
+          </ac:picMkLst>
+        </pc:picChg>
+        <pc:picChg chg="add del mod">
+          <ac:chgData name="grossreich92@outlook.jp" userId="cf5527f1d2a621a4" providerId="LiveId" clId="{7FA8A231-F171-4111-9FC7-9DD06668B8A1}" dt="2019-11-22T02:52:21.952" v="329" actId="478"/>
+          <ac:picMkLst>
+            <pc:docMk/>
+            <pc:sldMk cId="445670076" sldId="258"/>
+            <ac:picMk id="21" creationId="{9678BCC3-980D-450C-8258-5062B2272D57}"/>
+          </ac:picMkLst>
+        </pc:picChg>
+        <pc:picChg chg="add del mod">
+          <ac:chgData name="grossreich92@outlook.jp" userId="cf5527f1d2a621a4" providerId="LiveId" clId="{7FA8A231-F171-4111-9FC7-9DD06668B8A1}" dt="2019-11-22T02:54:12.021" v="350" actId="478"/>
+          <ac:picMkLst>
+            <pc:docMk/>
+            <pc:sldMk cId="445670076" sldId="258"/>
+            <ac:picMk id="22" creationId="{B42CEB08-9DD5-4099-9422-D4366C2205C1}"/>
+          </ac:picMkLst>
+        </pc:picChg>
+        <pc:picChg chg="add del mod">
+          <ac:chgData name="grossreich92@outlook.jp" userId="cf5527f1d2a621a4" providerId="LiveId" clId="{7FA8A231-F171-4111-9FC7-9DD06668B8A1}" dt="2019-11-22T02:54:51.926" v="356" actId="478"/>
+          <ac:picMkLst>
+            <pc:docMk/>
+            <pc:sldMk cId="445670076" sldId="258"/>
+            <ac:picMk id="32" creationId="{2A316878-4B60-4660-9E1A-998B6ACB45D3}"/>
+          </ac:picMkLst>
+        </pc:picChg>
+        <pc:picChg chg="add del mod">
+          <ac:chgData name="grossreich92@outlook.jp" userId="cf5527f1d2a621a4" providerId="LiveId" clId="{7FA8A231-F171-4111-9FC7-9DD06668B8A1}" dt="2019-11-22T02:54:50.421" v="355" actId="478"/>
+          <ac:picMkLst>
+            <pc:docMk/>
+            <pc:sldMk cId="445670076" sldId="258"/>
+            <ac:picMk id="34" creationId="{827D8D21-6794-41EF-8EDB-2B97DC43C879}"/>
+          </ac:picMkLst>
+        </pc:picChg>
+        <pc:picChg chg="add mod">
+          <ac:chgData name="grossreich92@outlook.jp" userId="cf5527f1d2a621a4" providerId="LiveId" clId="{7FA8A231-F171-4111-9FC7-9DD06668B8A1}" dt="2019-11-22T03:03:56.281" v="442" actId="1076"/>
+          <ac:picMkLst>
+            <pc:docMk/>
+            <pc:sldMk cId="445670076" sldId="258"/>
+            <ac:picMk id="36" creationId="{82222E38-2819-41DA-90F2-ED57907CD611}"/>
+          </ac:picMkLst>
+        </pc:picChg>
+        <pc:picChg chg="add mod">
+          <ac:chgData name="grossreich92@outlook.jp" userId="cf5527f1d2a621a4" providerId="LiveId" clId="{7FA8A231-F171-4111-9FC7-9DD06668B8A1}" dt="2019-11-22T03:03:46.299" v="440" actId="1076"/>
+          <ac:picMkLst>
+            <pc:docMk/>
+            <pc:sldMk cId="445670076" sldId="258"/>
+            <ac:picMk id="38" creationId="{D3F4C04D-418B-4221-A730-C48EFF7AF37B}"/>
+          </ac:picMkLst>
+        </pc:picChg>
+        <pc:picChg chg="add mod">
+          <ac:chgData name="grossreich92@outlook.jp" userId="cf5527f1d2a621a4" providerId="LiveId" clId="{7FA8A231-F171-4111-9FC7-9DD06668B8A1}" dt="2019-11-22T03:03:52.064" v="441" actId="1076"/>
+          <ac:picMkLst>
+            <pc:docMk/>
+            <pc:sldMk cId="445670076" sldId="258"/>
+            <ac:picMk id="40" creationId="{1C0E6133-2E54-43A6-882E-7F74C6A38D22}"/>
+          </ac:picMkLst>
+        </pc:picChg>
+        <pc:cxnChg chg="add del mod">
+          <ac:chgData name="grossreich92@outlook.jp" userId="cf5527f1d2a621a4" providerId="LiveId" clId="{7FA8A231-F171-4111-9FC7-9DD06668B8A1}" dt="2019-11-28T04:55:59.526" v="467" actId="478"/>
+          <ac:cxnSpMkLst>
+            <pc:docMk/>
+            <pc:sldMk cId="445670076" sldId="258"/>
+            <ac:cxnSpMk id="13" creationId="{81A65825-9453-4572-BEF4-5EEE38FE404A}"/>
+          </ac:cxnSpMkLst>
+        </pc:cxnChg>
+        <pc:cxnChg chg="add del mod">
+          <ac:chgData name="grossreich92@outlook.jp" userId="cf5527f1d2a621a4" providerId="LiveId" clId="{7FA8A231-F171-4111-9FC7-9DD06668B8A1}" dt="2019-11-22T02:27:21.311" v="248" actId="478"/>
+          <ac:cxnSpMkLst>
+            <pc:docMk/>
+            <pc:sldMk cId="445670076" sldId="258"/>
+            <ac:cxnSpMk id="13" creationId="{D73C4952-2F2F-4725-B43A-EFDAFE5B1C2B}"/>
+          </ac:cxnSpMkLst>
+        </pc:cxnChg>
+        <pc:cxnChg chg="del mod">
+          <ac:chgData name="grossreich92@outlook.jp" userId="cf5527f1d2a621a4" providerId="LiveId" clId="{7FA8A231-F171-4111-9FC7-9DD06668B8A1}" dt="2019-11-21T05:31:48.400" v="189" actId="478"/>
+          <ac:cxnSpMkLst>
+            <pc:docMk/>
+            <pc:sldMk cId="445670076" sldId="258"/>
+            <ac:cxnSpMk id="20" creationId="{B5D983EF-4B28-A245-89B0-E05E72927B9E}"/>
+          </ac:cxnSpMkLst>
+        </pc:cxnChg>
+        <pc:cxnChg chg="del">
+          <ac:chgData name="grossreich92@outlook.jp" userId="cf5527f1d2a621a4" providerId="LiveId" clId="{7FA8A231-F171-4111-9FC7-9DD06668B8A1}" dt="2019-11-21T05:31:52.558" v="192" actId="478"/>
+          <ac:cxnSpMkLst>
+            <pc:docMk/>
+            <pc:sldMk cId="445670076" sldId="258"/>
+            <ac:cxnSpMk id="21" creationId="{3B3C3D03-9224-3E4A-BFDE-3440B4722A5F}"/>
+          </ac:cxnSpMkLst>
+        </pc:cxnChg>
+        <pc:cxnChg chg="add del mod">
+          <ac:chgData name="grossreich92@outlook.jp" userId="cf5527f1d2a621a4" providerId="LiveId" clId="{7FA8A231-F171-4111-9FC7-9DD06668B8A1}" dt="2019-11-22T02:58:53.602" v="391" actId="478"/>
+          <ac:cxnSpMkLst>
+            <pc:docMk/>
+            <pc:sldMk cId="445670076" sldId="258"/>
+            <ac:cxnSpMk id="26" creationId="{BF1160E5-3F2A-4A16-BCC7-BF075226E5F6}"/>
+          </ac:cxnSpMkLst>
+        </pc:cxnChg>
+        <pc:cxnChg chg="add mod">
+          <ac:chgData name="grossreich92@outlook.jp" userId="cf5527f1d2a621a4" providerId="LiveId" clId="{7FA8A231-F171-4111-9FC7-9DD06668B8A1}" dt="2019-11-28T04:56:29.173" v="476" actId="14100"/>
+          <ac:cxnSpMkLst>
+            <pc:docMk/>
+            <pc:sldMk cId="445670076" sldId="258"/>
+            <ac:cxnSpMk id="26" creationId="{C39AF04E-494A-48AE-BBA1-E0871B0ED365}"/>
+          </ac:cxnSpMkLst>
+        </pc:cxnChg>
+        <pc:cxnChg chg="add del mod">
+          <ac:chgData name="grossreich92@outlook.jp" userId="cf5527f1d2a621a4" providerId="LiveId" clId="{7FA8A231-F171-4111-9FC7-9DD06668B8A1}" dt="2019-11-22T02:31:16.181" v="272" actId="478"/>
+          <ac:cxnSpMkLst>
+            <pc:docMk/>
+            <pc:sldMk cId="445670076" sldId="258"/>
+            <ac:cxnSpMk id="27" creationId="{68A9A1EF-BF7A-4073-8EC0-0762BE81A8EF}"/>
+          </ac:cxnSpMkLst>
+        </pc:cxnChg>
+        <pc:cxnChg chg="add mod">
+          <ac:chgData name="grossreich92@outlook.jp" userId="cf5527f1d2a621a4" providerId="LiveId" clId="{7FA8A231-F171-4111-9FC7-9DD06668B8A1}" dt="2019-11-28T04:54:37.399" v="461" actId="14100"/>
+          <ac:cxnSpMkLst>
+            <pc:docMk/>
+            <pc:sldMk cId="445670076" sldId="258"/>
+            <ac:cxnSpMk id="28" creationId="{90D90B83-7070-4DDB-827F-EF6CA3B444D6}"/>
+          </ac:cxnSpMkLst>
+        </pc:cxnChg>
+        <pc:cxnChg chg="add mod">
+          <ac:chgData name="grossreich92@outlook.jp" userId="cf5527f1d2a621a4" providerId="LiveId" clId="{7FA8A231-F171-4111-9FC7-9DD06668B8A1}" dt="2019-11-28T04:55:38.812" v="464" actId="14100"/>
+          <ac:cxnSpMkLst>
+            <pc:docMk/>
+            <pc:sldMk cId="445670076" sldId="258"/>
+            <ac:cxnSpMk id="41" creationId="{C9DE7CC9-2305-42A6-B000-5A372E3467C5}"/>
+          </ac:cxnSpMkLst>
+        </pc:cxnChg>
+        <pc:cxnChg chg="add del mod">
+          <ac:chgData name="grossreich92@outlook.jp" userId="cf5527f1d2a621a4" providerId="LiveId" clId="{7FA8A231-F171-4111-9FC7-9DD06668B8A1}" dt="2019-11-22T03:01:22.660" v="411" actId="478"/>
+          <ac:cxnSpMkLst>
+            <pc:docMk/>
+            <pc:sldMk cId="445670076" sldId="258"/>
+            <ac:cxnSpMk id="46" creationId="{71BA8EE3-6443-473D-A1F2-03680A4DF796}"/>
+          </ac:cxnSpMkLst>
+        </pc:cxnChg>
+        <pc:cxnChg chg="add del mod">
+          <ac:chgData name="grossreich92@outlook.jp" userId="cf5527f1d2a621a4" providerId="LiveId" clId="{7FA8A231-F171-4111-9FC7-9DD06668B8A1}" dt="2019-11-22T03:02:27.080" v="425" actId="478"/>
+          <ac:cxnSpMkLst>
+            <pc:docMk/>
+            <pc:sldMk cId="445670076" sldId="258"/>
+            <ac:cxnSpMk id="50" creationId="{EB165C4F-7878-4702-BE24-DAE80758AC62}"/>
+          </ac:cxnSpMkLst>
+        </pc:cxnChg>
+        <pc:cxnChg chg="add del mod">
+          <ac:chgData name="grossreich92@outlook.jp" userId="cf5527f1d2a621a4" providerId="LiveId" clId="{7FA8A231-F171-4111-9FC7-9DD06668B8A1}" dt="2019-11-22T03:02:28.376" v="426" actId="478"/>
+          <ac:cxnSpMkLst>
+            <pc:docMk/>
+            <pc:sldMk cId="445670076" sldId="258"/>
+            <ac:cxnSpMk id="55" creationId="{69045545-BAAC-4229-A2AA-74DE0D848111}"/>
+          </ac:cxnSpMkLst>
+        </pc:cxnChg>
+        <pc:cxnChg chg="add mod">
+          <ac:chgData name="grossreich92@outlook.jp" userId="cf5527f1d2a621a4" providerId="LiveId" clId="{7FA8A231-F171-4111-9FC7-9DD06668B8A1}" dt="2019-11-22T03:04:03.608" v="444" actId="1076"/>
+          <ac:cxnSpMkLst>
+            <pc:docMk/>
+            <pc:sldMk cId="445670076" sldId="258"/>
+            <ac:cxnSpMk id="61" creationId="{171894E6-58CD-4341-A27F-2771AC47493F}"/>
+          </ac:cxnSpMkLst>
+        </pc:cxnChg>
+        <pc:cxnChg chg="add del mod">
+          <ac:chgData name="grossreich92@outlook.jp" userId="cf5527f1d2a621a4" providerId="LiveId" clId="{7FA8A231-F171-4111-9FC7-9DD06668B8A1}" dt="2019-11-22T03:03:32.595" v="438" actId="478"/>
+          <ac:cxnSpMkLst>
+            <pc:docMk/>
+            <pc:sldMk cId="445670076" sldId="258"/>
+            <ac:cxnSpMk id="62" creationId="{3E6BEF47-6C86-4EA1-BEDA-215F48ED3BE2}"/>
+          </ac:cxnSpMkLst>
+        </pc:cxnChg>
+        <pc:cxnChg chg="add mod">
+          <ac:chgData name="grossreich92@outlook.jp" userId="cf5527f1d2a621a4" providerId="LiveId" clId="{7FA8A231-F171-4111-9FC7-9DD06668B8A1}" dt="2019-11-22T03:04:09.590" v="445" actId="1076"/>
+          <ac:cxnSpMkLst>
+            <pc:docMk/>
+            <pc:sldMk cId="445670076" sldId="258"/>
+            <ac:cxnSpMk id="64" creationId="{85643E06-0602-40E8-82EA-102EB5E2F837}"/>
+          </ac:cxnSpMkLst>
+        </pc:cxnChg>
+      </pc:sldChg>
+    </pc:docChg>
+  </pc:docChgLst>
+</pc:chgInfo>
+</file>
+
 <file path=ppt/slideLayouts/slideLayout1.xml><?xml version="1.0" encoding="utf-8"?>
 <p:sldLayout xmlns:a="http://schemas.openxmlformats.org/drawingml/2006/main" xmlns:r="http://schemas.openxmlformats.org/officeDocument/2006/relationships" xmlns:p="http://schemas.openxmlformats.org/presentationml/2006/main" type="title" preserve="1">
   <p:cSld name="タイトル スライド">
@@ -261,7 +1032,7 @@
           <a:p>
             <a:fld id="{1DC390DC-14F3-9C48-B1B1-3D097AEF6208}" type="datetimeFigureOut">
               <a:rPr kumimoji="1" lang="ja-JP" altLang="en-US" smtClean="0"/>
-              <a:t>2019/9/10</a:t>
+              <a:t>2019/11/28</a:t>
             </a:fld>
             <a:endParaRPr kumimoji="1" lang="ja-JP" altLang="en-US"/>
           </a:p>
@@ -491,7 +1262,7 @@
           <a:p>
             <a:fld id="{1DC390DC-14F3-9C48-B1B1-3D097AEF6208}" type="datetimeFigureOut">
               <a:rPr kumimoji="1" lang="ja-JP" altLang="en-US" smtClean="0"/>
-              <a:t>2019/9/10</a:t>
+              <a:t>2019/11/28</a:t>
             </a:fld>
             <a:endParaRPr kumimoji="1" lang="ja-JP" altLang="en-US"/>
           </a:p>
@@ -731,7 +1502,7 @@
           <a:p>
             <a:fld id="{1DC390DC-14F3-9C48-B1B1-3D097AEF6208}" type="datetimeFigureOut">
               <a:rPr kumimoji="1" lang="ja-JP" altLang="en-US" smtClean="0"/>
-              <a:t>2019/9/10</a:t>
+              <a:t>2019/11/28</a:t>
             </a:fld>
             <a:endParaRPr kumimoji="1" lang="ja-JP" altLang="en-US"/>
           </a:p>
@@ -961,7 +1732,7 @@
           <a:p>
             <a:fld id="{1DC390DC-14F3-9C48-B1B1-3D097AEF6208}" type="datetimeFigureOut">
               <a:rPr kumimoji="1" lang="ja-JP" altLang="en-US" smtClean="0"/>
-              <a:t>2019/9/10</a:t>
+              <a:t>2019/11/28</a:t>
             </a:fld>
             <a:endParaRPr kumimoji="1" lang="ja-JP" altLang="en-US"/>
           </a:p>
@@ -1236,7 +2007,7 @@
           <a:p>
             <a:fld id="{1DC390DC-14F3-9C48-B1B1-3D097AEF6208}" type="datetimeFigureOut">
               <a:rPr kumimoji="1" lang="ja-JP" altLang="en-US" smtClean="0"/>
-              <a:t>2019/9/10</a:t>
+              <a:t>2019/11/28</a:t>
             </a:fld>
             <a:endParaRPr kumimoji="1" lang="ja-JP" altLang="en-US"/>
           </a:p>
@@ -1565,7 +2336,7 @@
           <a:p>
             <a:fld id="{1DC390DC-14F3-9C48-B1B1-3D097AEF6208}" type="datetimeFigureOut">
               <a:rPr kumimoji="1" lang="ja-JP" altLang="en-US" smtClean="0"/>
-              <a:t>2019/9/10</a:t>
+              <a:t>2019/11/28</a:t>
             </a:fld>
             <a:endParaRPr kumimoji="1" lang="ja-JP" altLang="en-US"/>
           </a:p>
@@ -2041,7 +2812,7 @@
           <a:p>
             <a:fld id="{1DC390DC-14F3-9C48-B1B1-3D097AEF6208}" type="datetimeFigureOut">
               <a:rPr kumimoji="1" lang="ja-JP" altLang="en-US" smtClean="0"/>
-              <a:t>2019/9/10</a:t>
+              <a:t>2019/11/28</a:t>
             </a:fld>
             <a:endParaRPr kumimoji="1" lang="ja-JP" altLang="en-US"/>
           </a:p>
@@ -2182,7 +2953,7 @@
           <a:p>
             <a:fld id="{1DC390DC-14F3-9C48-B1B1-3D097AEF6208}" type="datetimeFigureOut">
               <a:rPr kumimoji="1" lang="ja-JP" altLang="en-US" smtClean="0"/>
-              <a:t>2019/9/10</a:t>
+              <a:t>2019/11/28</a:t>
             </a:fld>
             <a:endParaRPr kumimoji="1" lang="ja-JP" altLang="en-US"/>
           </a:p>
@@ -2295,7 +3066,7 @@
           <a:p>
             <a:fld id="{1DC390DC-14F3-9C48-B1B1-3D097AEF6208}" type="datetimeFigureOut">
               <a:rPr kumimoji="1" lang="ja-JP" altLang="en-US" smtClean="0"/>
-              <a:t>2019/9/10</a:t>
+              <a:t>2019/11/28</a:t>
             </a:fld>
             <a:endParaRPr kumimoji="1" lang="ja-JP" altLang="en-US"/>
           </a:p>
@@ -2638,7 +3409,7 @@
           <a:p>
             <a:fld id="{1DC390DC-14F3-9C48-B1B1-3D097AEF6208}" type="datetimeFigureOut">
               <a:rPr kumimoji="1" lang="ja-JP" altLang="en-US" smtClean="0"/>
-              <a:t>2019/9/10</a:t>
+              <a:t>2019/11/28</a:t>
             </a:fld>
             <a:endParaRPr kumimoji="1" lang="ja-JP" altLang="en-US"/>
           </a:p>
@@ -2926,7 +3697,7 @@
           <a:p>
             <a:fld id="{1DC390DC-14F3-9C48-B1B1-3D097AEF6208}" type="datetimeFigureOut">
               <a:rPr kumimoji="1" lang="ja-JP" altLang="en-US" smtClean="0"/>
-              <a:t>2019/9/10</a:t>
+              <a:t>2019/11/28</a:t>
             </a:fld>
             <a:endParaRPr kumimoji="1" lang="ja-JP" altLang="en-US"/>
           </a:p>
@@ -3199,7 +3970,7 @@
           <a:p>
             <a:fld id="{1DC390DC-14F3-9C48-B1B1-3D097AEF6208}" type="datetimeFigureOut">
               <a:rPr kumimoji="1" lang="ja-JP" altLang="en-US" smtClean="0"/>
-              <a:t>2019/9/10</a:t>
+              <a:t>2019/11/28</a:t>
             </a:fld>
             <a:endParaRPr kumimoji="1" lang="ja-JP" altLang="en-US"/>
           </a:p>
@@ -3672,36 +4443,6 @@
           </a:p>
         </p:txBody>
       </p:sp>
-      <p:pic>
-        <p:nvPicPr>
-          <p:cNvPr id="4" name="図 3">
-            <a:extLst>
-              <a:ext uri="{FF2B5EF4-FFF2-40B4-BE49-F238E27FC236}">
-                <a16:creationId xmlns:a16="http://schemas.microsoft.com/office/drawing/2014/main" id="{DC0F8746-7FBF-A042-AA8A-9B75FB9C894B}"/>
-              </a:ext>
-            </a:extLst>
-          </p:cNvPr>
-          <p:cNvPicPr>
-            <a:picLocks noChangeAspect="1"/>
-          </p:cNvPicPr>
-          <p:nvPr/>
-        </p:nvPicPr>
-        <p:blipFill>
-          <a:blip r:embed="rId2"/>
-          <a:stretch>
-            <a:fillRect/>
-          </a:stretch>
-        </p:blipFill>
-        <p:spPr>
-          <a:xfrm>
-            <a:off x="4015738" y="3110022"/>
-            <a:ext cx="1013583" cy="1192909"/>
-          </a:xfrm>
-          <a:prstGeom prst="rect">
-            <a:avLst/>
-          </a:prstGeom>
-        </p:spPr>
-      </p:pic>
       <p:sp>
         <p:nvSpPr>
           <p:cNvPr id="6" name="角丸四角形 5">
@@ -3716,8 +4457,8 @@
         </p:nvSpPr>
         <p:spPr>
           <a:xfrm>
-            <a:off x="3355122" y="2687847"/>
-            <a:ext cx="2371060" cy="2184054"/>
+            <a:off x="2948369" y="2574234"/>
+            <a:ext cx="3082213" cy="2369370"/>
           </a:xfrm>
           <a:prstGeom prst="roundRect">
             <a:avLst/>
@@ -3750,10 +4491,10 @@
       </p:sp>
       <p:pic>
         <p:nvPicPr>
-          <p:cNvPr id="5" name="図 4">
-            <a:extLst>
-              <a:ext uri="{FF2B5EF4-FFF2-40B4-BE49-F238E27FC236}">
-                <a16:creationId xmlns:a16="http://schemas.microsoft.com/office/drawing/2014/main" id="{5566CF40-91CC-3D4E-BA54-1422B9BD6056}"/>
+          <p:cNvPr id="9" name="図 8">
+            <a:extLst>
+              <a:ext uri="{FF2B5EF4-FFF2-40B4-BE49-F238E27FC236}">
+                <a16:creationId xmlns:a16="http://schemas.microsoft.com/office/drawing/2014/main" id="{5848FD20-278C-BC4E-8057-65A939FD0A39}"/>
               </a:ext>
             </a:extLst>
           </p:cNvPr>
@@ -3763,15 +4504,15 @@
           <p:nvPr/>
         </p:nvPicPr>
         <p:blipFill>
-          <a:blip r:embed="rId3"/>
+          <a:blip r:embed="rId2"/>
           <a:stretch>
             <a:fillRect/>
           </a:stretch>
         </p:blipFill>
         <p:spPr>
           <a:xfrm>
-            <a:off x="2630564" y="2055432"/>
-            <a:ext cx="1484236" cy="975824"/>
+            <a:off x="6202525" y="2977633"/>
+            <a:ext cx="1604482" cy="1604482"/>
           </a:xfrm>
           <a:prstGeom prst="rect">
             <a:avLst/>
@@ -3780,10 +4521,10 @@
       </p:pic>
       <p:sp>
         <p:nvSpPr>
-          <p:cNvPr id="7" name="テキスト ボックス 6">
-            <a:extLst>
-              <a:ext uri="{FF2B5EF4-FFF2-40B4-BE49-F238E27FC236}">
-                <a16:creationId xmlns:a16="http://schemas.microsoft.com/office/drawing/2014/main" id="{4C6BC871-4A03-1445-83A1-52315AECCBEA}"/>
+          <p:cNvPr id="10" name="テキスト ボックス 9">
+            <a:extLst>
+              <a:ext uri="{FF2B5EF4-FFF2-40B4-BE49-F238E27FC236}">
+                <a16:creationId xmlns:a16="http://schemas.microsoft.com/office/drawing/2014/main" id="{AEA72058-FE52-B946-86B0-D1AB1817183F}"/>
               </a:ext>
             </a:extLst>
           </p:cNvPr>
@@ -3792,8 +4533,8 @@
         </p:nvSpPr>
         <p:spPr>
           <a:xfrm>
-            <a:off x="3909703" y="4397449"/>
-            <a:ext cx="1225651" cy="646331"/>
+            <a:off x="6067650" y="4397449"/>
+            <a:ext cx="1874231" cy="369332"/>
           </a:xfrm>
           <a:prstGeom prst="rect">
             <a:avLst/>
@@ -3801,27 +4542,25 @@
           <a:noFill/>
         </p:spPr>
         <p:txBody>
-          <a:bodyPr wrap="square" rtlCol="0">
+          <a:bodyPr wrap="none" rtlCol="0">
             <a:spAutoFit/>
           </a:bodyPr>
           <a:lstStyle/>
           <a:p>
             <a:r>
-              <a:rPr lang="en-US" altLang="ja-JP" dirty="0"/>
-              <a:t>AWS IoT</a:t>
-            </a:r>
-          </a:p>
-          <a:p>
-            <a:endParaRPr kumimoji="1" lang="ja-JP" altLang="en-US"/>
+              <a:rPr kumimoji="1" lang="en-US" altLang="ja-JP" dirty="0"/>
+              <a:t>Raspberry pi 3B</a:t>
+            </a:r>
+            <a:endParaRPr kumimoji="1" lang="ja-JP" altLang="en-US" dirty="0"/>
           </a:p>
         </p:txBody>
       </p:sp>
       <p:pic>
         <p:nvPicPr>
-          <p:cNvPr id="9" name="図 8">
-            <a:extLst>
-              <a:ext uri="{FF2B5EF4-FFF2-40B4-BE49-F238E27FC236}">
-                <a16:creationId xmlns:a16="http://schemas.microsoft.com/office/drawing/2014/main" id="{5848FD20-278C-BC4E-8057-65A939FD0A39}"/>
+          <p:cNvPr id="12" name="図 11">
+            <a:extLst>
+              <a:ext uri="{FF2B5EF4-FFF2-40B4-BE49-F238E27FC236}">
+                <a16:creationId xmlns:a16="http://schemas.microsoft.com/office/drawing/2014/main" id="{6CB7BB11-49EC-B843-9D91-A16740784A2D}"/>
               </a:ext>
             </a:extLst>
           </p:cNvPr>
@@ -3831,77 +4570,11 @@
           <p:nvPr/>
         </p:nvPicPr>
         <p:blipFill>
-          <a:blip r:embed="rId4"/>
-          <a:stretch>
-            <a:fillRect/>
-          </a:stretch>
-        </p:blipFill>
-        <p:spPr>
-          <a:xfrm>
-            <a:off x="6202525" y="2977633"/>
-            <a:ext cx="1604482" cy="1604482"/>
-          </a:xfrm>
-          <a:prstGeom prst="rect">
-            <a:avLst/>
-          </a:prstGeom>
-        </p:spPr>
-      </p:pic>
-      <p:sp>
-        <p:nvSpPr>
-          <p:cNvPr id="10" name="テキスト ボックス 9">
-            <a:extLst>
-              <a:ext uri="{FF2B5EF4-FFF2-40B4-BE49-F238E27FC236}">
-                <a16:creationId xmlns:a16="http://schemas.microsoft.com/office/drawing/2014/main" id="{AEA72058-FE52-B946-86B0-D1AB1817183F}"/>
-              </a:ext>
-            </a:extLst>
-          </p:cNvPr>
-          <p:cNvSpPr txBox="1"/>
-          <p:nvPr/>
-        </p:nvSpPr>
-        <p:spPr>
-          <a:xfrm>
-            <a:off x="6067650" y="4397449"/>
-            <a:ext cx="1874231" cy="369332"/>
-          </a:xfrm>
-          <a:prstGeom prst="rect">
-            <a:avLst/>
-          </a:prstGeom>
-          <a:noFill/>
-        </p:spPr>
-        <p:txBody>
-          <a:bodyPr wrap="none" rtlCol="0">
-            <a:spAutoFit/>
-          </a:bodyPr>
-          <a:lstStyle/>
-          <a:p>
-            <a:r>
-              <a:rPr kumimoji="1" lang="en-US" altLang="ja-JP" dirty="0"/>
-              <a:t>Raspberry pi 3B</a:t>
-            </a:r>
-            <a:endParaRPr kumimoji="1" lang="ja-JP" altLang="en-US"/>
-          </a:p>
-        </p:txBody>
-      </p:sp>
-      <p:pic>
-        <p:nvPicPr>
-          <p:cNvPr id="12" name="図 11">
-            <a:extLst>
-              <a:ext uri="{FF2B5EF4-FFF2-40B4-BE49-F238E27FC236}">
-                <a16:creationId xmlns:a16="http://schemas.microsoft.com/office/drawing/2014/main" id="{6CB7BB11-49EC-B843-9D91-A16740784A2D}"/>
-              </a:ext>
-            </a:extLst>
-          </p:cNvPr>
-          <p:cNvPicPr>
-            <a:picLocks noChangeAspect="1"/>
-          </p:cNvPicPr>
-          <p:nvPr/>
-        </p:nvPicPr>
-        <p:blipFill>
-          <a:blip r:embed="rId5">
+          <a:blip r:embed="rId3">
             <a:extLst>
               <a:ext uri="{BEBA8EAE-BF5A-486C-A8C5-ECC9F3942E4B}">
                 <a14:imgProps xmlns:a14="http://schemas.microsoft.com/office/drawing/2010/main">
-                  <a14:imgLayer r:embed="rId6">
+                  <a14:imgLayer r:embed="rId4">
                     <a14:imgEffect>
                       <a14:backgroundRemoval t="3111" b="96889" l="9778" r="89778">
                         <a14:foregroundMark x1="27111" y1="4000" x2="64000" y2="31556"/>
@@ -3940,8 +4613,8 @@
         </p:blipFill>
         <p:spPr>
           <a:xfrm>
-            <a:off x="9347126" y="4766781"/>
-            <a:ext cx="1329513" cy="1329513"/>
+            <a:off x="9347126" y="5112659"/>
+            <a:ext cx="1214483" cy="1214483"/>
           </a:xfrm>
           <a:prstGeom prst="rect">
             <a:avLst/>
@@ -3962,8 +4635,8 @@
         </p:nvSpPr>
         <p:spPr>
           <a:xfrm>
-            <a:off x="8706076" y="6204794"/>
-            <a:ext cx="2611612" cy="369332"/>
+            <a:off x="9227052" y="6309814"/>
+            <a:ext cx="1569660" cy="369332"/>
           </a:xfrm>
           <a:prstGeom prst="rect">
             <a:avLst/>
@@ -3977,14 +4650,10 @@
           <a:lstStyle/>
           <a:p>
             <a:r>
-              <a:rPr lang="en" altLang="ja-JP" dirty="0"/>
-              <a:t>DHT11 </a:t>
-            </a:r>
-            <a:r>
-              <a:rPr lang="ja-JP" altLang="en-US"/>
-              <a:t>温湿度センサー</a:t>
-            </a:r>
-            <a:endParaRPr kumimoji="1" lang="ja-JP" altLang="en-US"/>
+              <a:rPr lang="ja-JP" altLang="en-US" dirty="0"/>
+              <a:t>温度センサー</a:t>
+            </a:r>
+            <a:endParaRPr kumimoji="1" lang="ja-JP" altLang="en-US" dirty="0"/>
           </a:p>
         </p:txBody>
       </p:sp>
@@ -4003,11 +4672,11 @@
           <p:nvPr/>
         </p:nvPicPr>
         <p:blipFill>
-          <a:blip r:embed="rId7">
+          <a:blip r:embed="rId5">
             <a:extLst>
               <a:ext uri="{BEBA8EAE-BF5A-486C-A8C5-ECC9F3942E4B}">
                 <a14:imgProps xmlns:a14="http://schemas.microsoft.com/office/drawing/2010/main">
-                  <a14:imgLayer r:embed="rId8">
+                  <a14:imgLayer r:embed="rId6">
                     <a14:imgEffect>
                       <a14:backgroundRemoval t="10000" b="90000" l="10000" r="90000">
                         <a14:foregroundMark x1="25333" y1="67556" x2="14222" y2="55111"/>
@@ -4047,8 +4716,8 @@
         </p:blipFill>
         <p:spPr>
           <a:xfrm>
-            <a:off x="9578004" y="854329"/>
-            <a:ext cx="2240812" cy="2240812"/>
+            <a:off x="10232851" y="2695037"/>
+            <a:ext cx="2021497" cy="2021497"/>
           </a:xfrm>
           <a:prstGeom prst="rect">
             <a:avLst/>
@@ -4070,11 +4739,11 @@
           <p:nvPr/>
         </p:nvPicPr>
         <p:blipFill>
-          <a:blip r:embed="rId9">
+          <a:blip r:embed="rId7">
             <a:extLst>
               <a:ext uri="{BEBA8EAE-BF5A-486C-A8C5-ECC9F3942E4B}">
                 <a14:imgProps xmlns:a14="http://schemas.microsoft.com/office/drawing/2010/main">
-                  <a14:imgLayer r:embed="rId10">
+                  <a14:imgLayer r:embed="rId8">
                     <a14:imgEffect>
                       <a14:backgroundRemoval t="889" b="99556" l="9778" r="89778">
                         <a14:foregroundMark x1="27556" y1="16444" x2="44000" y2="12000"/>
@@ -4127,7 +4796,7 @@
         </p:blipFill>
         <p:spPr>
           <a:xfrm>
-            <a:off x="7970818" y="1450334"/>
+            <a:off x="8624855" y="3179930"/>
             <a:ext cx="1051711" cy="1051711"/>
           </a:xfrm>
           <a:prstGeom prst="rect">
@@ -4149,7 +4818,7 @@
         </p:nvSpPr>
         <p:spPr>
           <a:xfrm>
-            <a:off x="7832068" y="2455487"/>
+            <a:off x="8486105" y="4302934"/>
             <a:ext cx="1329210" cy="369332"/>
           </a:xfrm>
           <a:prstGeom prst="rect">
@@ -4164,14 +4833,14 @@
           <a:lstStyle/>
           <a:p>
             <a:r>
-              <a:rPr kumimoji="1" lang="ja-JP" altLang="en-US"/>
+              <a:rPr kumimoji="1" lang="ja-JP" altLang="en-US" dirty="0"/>
               <a:t>赤外線</a:t>
             </a:r>
             <a:r>
               <a:rPr kumimoji="1" lang="en-US" altLang="ja-JP" dirty="0"/>
               <a:t>LED</a:t>
             </a:r>
-            <a:endParaRPr kumimoji="1" lang="ja-JP" altLang="en-US"/>
+            <a:endParaRPr kumimoji="1" lang="ja-JP" altLang="en-US" dirty="0"/>
           </a:p>
         </p:txBody>
       </p:sp>
@@ -4189,7 +4858,7 @@
         </p:nvSpPr>
         <p:spPr>
           <a:xfrm>
-            <a:off x="10238057" y="2461376"/>
+            <a:off x="10796712" y="4189117"/>
             <a:ext cx="877163" cy="369332"/>
           </a:xfrm>
           <a:prstGeom prst="rect">
@@ -4204,7 +4873,7 @@
           <a:lstStyle/>
           <a:p>
             <a:r>
-              <a:rPr kumimoji="1" lang="ja-JP" altLang="en-US"/>
+              <a:rPr kumimoji="1" lang="ja-JP" altLang="en-US" dirty="0"/>
               <a:t>冷暖房</a:t>
             </a:r>
           </a:p>
@@ -4225,7 +4894,7 @@
           <p:nvPr/>
         </p:nvPicPr>
         <p:blipFill>
-          <a:blip r:embed="rId11"/>
+          <a:blip r:embed="rId9"/>
           <a:stretch>
             <a:fillRect/>
           </a:stretch>
@@ -4343,15 +5012,15 @@
           </p:cNvPr>
           <p:cNvCxnSpPr>
             <a:cxnSpLocks/>
-            <a:stCxn id="9" idx="0"/>
-            <a:endCxn id="15" idx="1"/>
+            <a:stCxn id="19" idx="1"/>
+            <a:endCxn id="9" idx="0"/>
           </p:cNvCxnSpPr>
           <p:nvPr/>
         </p:nvCxnSpPr>
         <p:spPr>
-          <a:xfrm rot="5400000" flipH="1" flipV="1">
-            <a:off x="6987071" y="1993886"/>
-            <a:ext cx="1001443" cy="966052"/>
+          <a:xfrm rot="10800000" flipV="1">
+            <a:off x="7004766" y="1914581"/>
+            <a:ext cx="1419466" cy="1063051"/>
           </a:xfrm>
           <a:prstGeom prst="bentConnector2">
             <a:avLst/>
@@ -4396,8 +5065,8 @@
         </p:nvCxnSpPr>
         <p:spPr>
           <a:xfrm rot="16200000" flipH="1">
-            <a:off x="7843568" y="3927979"/>
-            <a:ext cx="664757" cy="2342360"/>
+            <a:off x="7699386" y="4072161"/>
+            <a:ext cx="953120" cy="2342360"/>
           </a:xfrm>
           <a:prstGeom prst="bentConnector2">
             <a:avLst/>
@@ -4436,15 +5105,13 @@
           </p:cNvPr>
           <p:cNvCxnSpPr>
             <a:cxnSpLocks/>
-            <a:stCxn id="15" idx="3"/>
-            <a:endCxn id="14" idx="1"/>
           </p:cNvCxnSpPr>
           <p:nvPr/>
         </p:nvCxnSpPr>
         <p:spPr>
-          <a:xfrm flipV="1">
-            <a:off x="9022529" y="1974735"/>
-            <a:ext cx="555475" cy="1455"/>
+          <a:xfrm flipH="1">
+            <a:off x="9512300" y="1914582"/>
+            <a:ext cx="1049310" cy="0"/>
           </a:xfrm>
           <a:prstGeom prst="straightConnector1">
             <a:avLst/>
@@ -4474,6 +5141,291 @@
           </a:fontRef>
         </p:style>
       </p:cxnSp>
+      <p:pic>
+        <p:nvPicPr>
+          <p:cNvPr id="8" name="図 7">
+            <a:extLst>
+              <a:ext uri="{FF2B5EF4-FFF2-40B4-BE49-F238E27FC236}">
+                <a16:creationId xmlns:a16="http://schemas.microsoft.com/office/drawing/2014/main" id="{A0692680-BBF6-44C4-BF4B-99F00B78E209}"/>
+              </a:ext>
+            </a:extLst>
+          </p:cNvPr>
+          <p:cNvPicPr>
+            <a:picLocks noChangeAspect="1"/>
+          </p:cNvPicPr>
+          <p:nvPr/>
+        </p:nvPicPr>
+        <p:blipFill>
+          <a:blip r:embed="rId10"/>
+          <a:stretch>
+            <a:fillRect/>
+          </a:stretch>
+        </p:blipFill>
+        <p:spPr>
+          <a:xfrm>
+            <a:off x="2813219" y="1953318"/>
+            <a:ext cx="3160066" cy="889400"/>
+          </a:xfrm>
+          <a:prstGeom prst="rect">
+            <a:avLst/>
+          </a:prstGeom>
+        </p:spPr>
+      </p:pic>
+      <p:pic>
+        <p:nvPicPr>
+          <p:cNvPr id="24" name="図 23">
+            <a:extLst>
+              <a:ext uri="{FF2B5EF4-FFF2-40B4-BE49-F238E27FC236}">
+                <a16:creationId xmlns:a16="http://schemas.microsoft.com/office/drawing/2014/main" id="{62FD2EDA-BB11-492F-9BC9-4C8AFA7E8274}"/>
+              </a:ext>
+            </a:extLst>
+          </p:cNvPr>
+          <p:cNvPicPr>
+            <a:picLocks noChangeAspect="1"/>
+          </p:cNvPicPr>
+          <p:nvPr/>
+        </p:nvPicPr>
+        <p:blipFill>
+          <a:blip r:embed="rId11"/>
+          <a:stretch>
+            <a:fillRect/>
+          </a:stretch>
+        </p:blipFill>
+        <p:spPr>
+          <a:xfrm>
+            <a:off x="3376054" y="2888528"/>
+            <a:ext cx="2130729" cy="1865392"/>
+          </a:xfrm>
+          <a:prstGeom prst="rect">
+            <a:avLst/>
+          </a:prstGeom>
+        </p:spPr>
+      </p:pic>
+      <p:pic>
+        <p:nvPicPr>
+          <p:cNvPr id="7" name="図 6">
+            <a:extLst>
+              <a:ext uri="{FF2B5EF4-FFF2-40B4-BE49-F238E27FC236}">
+                <a16:creationId xmlns:a16="http://schemas.microsoft.com/office/drawing/2014/main" id="{51E09F55-3DB3-40C6-8206-5D10246E98BD}"/>
+              </a:ext>
+            </a:extLst>
+          </p:cNvPr>
+          <p:cNvPicPr>
+            <a:picLocks noChangeAspect="1"/>
+          </p:cNvPicPr>
+          <p:nvPr/>
+        </p:nvPicPr>
+        <p:blipFill>
+          <a:blip r:embed="rId12"/>
+          <a:stretch>
+            <a:fillRect/>
+          </a:stretch>
+        </p:blipFill>
+        <p:spPr>
+          <a:xfrm>
+            <a:off x="10799323" y="1415165"/>
+            <a:ext cx="998834" cy="998834"/>
+          </a:xfrm>
+          <a:prstGeom prst="rect">
+            <a:avLst/>
+          </a:prstGeom>
+        </p:spPr>
+      </p:pic>
+      <p:pic>
+        <p:nvPicPr>
+          <p:cNvPr id="19" name="図 18">
+            <a:extLst>
+              <a:ext uri="{FF2B5EF4-FFF2-40B4-BE49-F238E27FC236}">
+                <a16:creationId xmlns:a16="http://schemas.microsoft.com/office/drawing/2014/main" id="{9D6276E5-AD37-4862-B334-BACBD1848E35}"/>
+              </a:ext>
+            </a:extLst>
+          </p:cNvPr>
+          <p:cNvPicPr>
+            <a:picLocks noChangeAspect="1"/>
+          </p:cNvPicPr>
+          <p:nvPr/>
+        </p:nvPicPr>
+        <p:blipFill>
+          <a:blip r:embed="rId13"/>
+          <a:stretch>
+            <a:fillRect/>
+          </a:stretch>
+        </p:blipFill>
+        <p:spPr>
+          <a:xfrm>
+            <a:off x="8424232" y="1453135"/>
+            <a:ext cx="922894" cy="922894"/>
+          </a:xfrm>
+          <a:prstGeom prst="rect">
+            <a:avLst/>
+          </a:prstGeom>
+        </p:spPr>
+      </p:pic>
+      <p:cxnSp>
+        <p:nvCxnSpPr>
+          <p:cNvPr id="32" name="直線矢印コネクタ 31">
+            <a:extLst>
+              <a:ext uri="{FF2B5EF4-FFF2-40B4-BE49-F238E27FC236}">
+                <a16:creationId xmlns:a16="http://schemas.microsoft.com/office/drawing/2014/main" id="{78970CBB-D260-484C-AA26-87322DA3F0A9}"/>
+              </a:ext>
+            </a:extLst>
+          </p:cNvPr>
+          <p:cNvCxnSpPr>
+            <a:cxnSpLocks/>
+            <a:endCxn id="15" idx="1"/>
+          </p:cNvCxnSpPr>
+          <p:nvPr/>
+        </p:nvCxnSpPr>
+        <p:spPr>
+          <a:xfrm>
+            <a:off x="7941881" y="3705785"/>
+            <a:ext cx="682974" cy="1"/>
+          </a:xfrm>
+          <a:prstGeom prst="straightConnector1">
+            <a:avLst/>
+          </a:prstGeom>
+          <a:ln w="19050">
+            <a:tailEnd type="triangle"/>
+          </a:ln>
+        </p:spPr>
+        <p:style>
+          <a:lnRef idx="1">
+            <a:schemeClr val="dk1"/>
+          </a:lnRef>
+          <a:fillRef idx="0">
+            <a:schemeClr val="dk1"/>
+          </a:fillRef>
+          <a:effectRef idx="0">
+            <a:schemeClr val="dk1"/>
+          </a:effectRef>
+          <a:fontRef idx="minor">
+            <a:schemeClr val="tx1"/>
+          </a:fontRef>
+        </p:style>
+      </p:cxnSp>
+      <p:cxnSp>
+        <p:nvCxnSpPr>
+          <p:cNvPr id="35" name="直線矢印コネクタ 34">
+            <a:extLst>
+              <a:ext uri="{FF2B5EF4-FFF2-40B4-BE49-F238E27FC236}">
+                <a16:creationId xmlns:a16="http://schemas.microsoft.com/office/drawing/2014/main" id="{50CEF507-E9FC-4D92-8D6D-A2A97CDD0F87}"/>
+              </a:ext>
+            </a:extLst>
+          </p:cNvPr>
+          <p:cNvCxnSpPr>
+            <a:cxnSpLocks/>
+            <a:stCxn id="15" idx="3"/>
+            <a:endCxn id="14" idx="1"/>
+          </p:cNvCxnSpPr>
+          <p:nvPr/>
+        </p:nvCxnSpPr>
+        <p:spPr>
+          <a:xfrm>
+            <a:off x="9676566" y="3705786"/>
+            <a:ext cx="556285" cy="0"/>
+          </a:xfrm>
+          <a:prstGeom prst="straightConnector1">
+            <a:avLst/>
+          </a:prstGeom>
+          <a:ln w="19050">
+            <a:tailEnd type="triangle"/>
+          </a:ln>
+        </p:spPr>
+        <p:style>
+          <a:lnRef idx="1">
+            <a:schemeClr val="dk1"/>
+          </a:lnRef>
+          <a:fillRef idx="0">
+            <a:schemeClr val="dk1"/>
+          </a:fillRef>
+          <a:effectRef idx="0">
+            <a:schemeClr val="dk1"/>
+          </a:effectRef>
+          <a:fontRef idx="minor">
+            <a:schemeClr val="tx1"/>
+          </a:fontRef>
+        </p:style>
+      </p:cxnSp>
+      <p:sp>
+        <p:nvSpPr>
+          <p:cNvPr id="56" name="テキスト ボックス 55">
+            <a:extLst>
+              <a:ext uri="{FF2B5EF4-FFF2-40B4-BE49-F238E27FC236}">
+                <a16:creationId xmlns:a16="http://schemas.microsoft.com/office/drawing/2014/main" id="{C3F8FFB9-FD0B-4F8A-AF72-53CB0BABE27A}"/>
+              </a:ext>
+            </a:extLst>
+          </p:cNvPr>
+          <p:cNvSpPr txBox="1"/>
+          <p:nvPr/>
+        </p:nvSpPr>
+        <p:spPr>
+          <a:xfrm>
+            <a:off x="7978950" y="2329246"/>
+            <a:ext cx="1800493" cy="646331"/>
+          </a:xfrm>
+          <a:prstGeom prst="rect">
+            <a:avLst/>
+          </a:prstGeom>
+          <a:noFill/>
+        </p:spPr>
+        <p:txBody>
+          <a:bodyPr wrap="none" rtlCol="0">
+            <a:spAutoFit/>
+          </a:bodyPr>
+          <a:lstStyle/>
+          <a:p>
+            <a:pPr algn="ctr"/>
+            <a:r>
+              <a:rPr kumimoji="1" lang="ja-JP" altLang="en-US" dirty="0"/>
+              <a:t>赤外線</a:t>
+            </a:r>
+            <a:endParaRPr kumimoji="1" lang="en-US" altLang="ja-JP" dirty="0"/>
+          </a:p>
+          <a:p>
+            <a:pPr algn="ctr"/>
+            <a:r>
+              <a:rPr lang="ja-JP" altLang="en-US" dirty="0"/>
+              <a:t>受信モジュール</a:t>
+            </a:r>
+            <a:endParaRPr kumimoji="1" lang="ja-JP" altLang="en-US" dirty="0"/>
+          </a:p>
+        </p:txBody>
+      </p:sp>
+      <p:sp>
+        <p:nvSpPr>
+          <p:cNvPr id="57" name="テキスト ボックス 56">
+            <a:extLst>
+              <a:ext uri="{FF2B5EF4-FFF2-40B4-BE49-F238E27FC236}">
+                <a16:creationId xmlns:a16="http://schemas.microsoft.com/office/drawing/2014/main" id="{2B9AD5A8-27DC-41CD-8CCC-B96594212E3B}"/>
+              </a:ext>
+            </a:extLst>
+          </p:cNvPr>
+          <p:cNvSpPr txBox="1"/>
+          <p:nvPr/>
+        </p:nvSpPr>
+        <p:spPr>
+          <a:xfrm>
+            <a:off x="10619815" y="2493576"/>
+            <a:ext cx="1107996" cy="369332"/>
+          </a:xfrm>
+          <a:prstGeom prst="rect">
+            <a:avLst/>
+          </a:prstGeom>
+          <a:noFill/>
+        </p:spPr>
+        <p:txBody>
+          <a:bodyPr wrap="none" rtlCol="0">
+            <a:spAutoFit/>
+          </a:bodyPr>
+          <a:lstStyle/>
+          <a:p>
+            <a:r>
+              <a:rPr kumimoji="1" lang="ja-JP" altLang="en-US" dirty="0"/>
+              <a:t>リモコン</a:t>
+            </a:r>
+          </a:p>
+        </p:txBody>
+      </p:sp>
     </p:spTree>
     <p:extLst>
       <p:ext uri="{BB962C8B-B14F-4D97-AF65-F5344CB8AC3E}">
@@ -4562,10 +5514,10 @@
       </p:sp>
       <p:pic>
         <p:nvPicPr>
-          <p:cNvPr id="4" name="図 3">
-            <a:extLst>
-              <a:ext uri="{FF2B5EF4-FFF2-40B4-BE49-F238E27FC236}">
-                <a16:creationId xmlns:a16="http://schemas.microsoft.com/office/drawing/2014/main" id="{DC0F8746-7FBF-A042-AA8A-9B75FB9C894B}"/>
+          <p:cNvPr id="9" name="図 8">
+            <a:extLst>
+              <a:ext uri="{FF2B5EF4-FFF2-40B4-BE49-F238E27FC236}">
+                <a16:creationId xmlns:a16="http://schemas.microsoft.com/office/drawing/2014/main" id="{5848FD20-278C-BC4E-8057-65A939FD0A39}"/>
               </a:ext>
             </a:extLst>
           </p:cNvPr>
@@ -4582,8 +5534,8 @@
         </p:blipFill>
         <p:spPr>
           <a:xfrm>
-            <a:off x="4015738" y="3110022"/>
-            <a:ext cx="1013583" cy="1192909"/>
+            <a:off x="6202525" y="2977633"/>
+            <a:ext cx="1604482" cy="1604482"/>
           </a:xfrm>
           <a:prstGeom prst="rect">
             <a:avLst/>
@@ -4592,55 +5544,46 @@
       </p:pic>
       <p:sp>
         <p:nvSpPr>
-          <p:cNvPr id="6" name="角丸四角形 5">
-            <a:extLst>
-              <a:ext uri="{FF2B5EF4-FFF2-40B4-BE49-F238E27FC236}">
-                <a16:creationId xmlns:a16="http://schemas.microsoft.com/office/drawing/2014/main" id="{186E2296-89E9-4C4F-BADB-1D77A52EBA90}"/>
-              </a:ext>
-            </a:extLst>
-          </p:cNvPr>
-          <p:cNvSpPr/>
+          <p:cNvPr id="10" name="テキスト ボックス 9">
+            <a:extLst>
+              <a:ext uri="{FF2B5EF4-FFF2-40B4-BE49-F238E27FC236}">
+                <a16:creationId xmlns:a16="http://schemas.microsoft.com/office/drawing/2014/main" id="{AEA72058-FE52-B946-86B0-D1AB1817183F}"/>
+              </a:ext>
+            </a:extLst>
+          </p:cNvPr>
+          <p:cNvSpPr txBox="1"/>
           <p:nvPr/>
         </p:nvSpPr>
         <p:spPr>
           <a:xfrm>
-            <a:off x="3355122" y="2687847"/>
-            <a:ext cx="2371060" cy="2184054"/>
-          </a:xfrm>
-          <a:prstGeom prst="roundRect">
+            <a:off x="6067650" y="4397449"/>
+            <a:ext cx="1874231" cy="369332"/>
+          </a:xfrm>
+          <a:prstGeom prst="rect">
             <a:avLst/>
           </a:prstGeom>
           <a:noFill/>
         </p:spPr>
-        <p:style>
-          <a:lnRef idx="2">
-            <a:schemeClr val="dk1"/>
-          </a:lnRef>
-          <a:fillRef idx="1">
-            <a:schemeClr val="lt1"/>
-          </a:fillRef>
-          <a:effectRef idx="0">
-            <a:schemeClr val="dk1"/>
-          </a:effectRef>
-          <a:fontRef idx="minor">
-            <a:schemeClr val="dk1"/>
-          </a:fontRef>
-        </p:style>
-        <p:txBody>
-          <a:bodyPr rtlCol="0" anchor="ctr"/>
+        <p:txBody>
+          <a:bodyPr wrap="none" rtlCol="0">
+            <a:spAutoFit/>
+          </a:bodyPr>
           <a:lstStyle/>
           <a:p>
-            <a:pPr algn="ctr"/>
-            <a:endParaRPr kumimoji="1" lang="ja-JP" altLang="en-US"/>
+            <a:r>
+              <a:rPr kumimoji="1" lang="en-US" altLang="ja-JP" dirty="0"/>
+              <a:t>Raspberry pi 3B</a:t>
+            </a:r>
+            <a:endParaRPr kumimoji="1" lang="ja-JP" altLang="en-US" dirty="0"/>
           </a:p>
         </p:txBody>
       </p:sp>
       <p:pic>
         <p:nvPicPr>
-          <p:cNvPr id="5" name="図 4">
-            <a:extLst>
-              <a:ext uri="{FF2B5EF4-FFF2-40B4-BE49-F238E27FC236}">
-                <a16:creationId xmlns:a16="http://schemas.microsoft.com/office/drawing/2014/main" id="{5566CF40-91CC-3D4E-BA54-1422B9BD6056}"/>
+          <p:cNvPr id="18" name="図 17">
+            <a:extLst>
+              <a:ext uri="{FF2B5EF4-FFF2-40B4-BE49-F238E27FC236}">
+                <a16:creationId xmlns:a16="http://schemas.microsoft.com/office/drawing/2014/main" id="{B58EA845-3E3F-AE40-9144-42550F1FC9C8}"/>
               </a:ext>
             </a:extLst>
           </p:cNvPr>
@@ -4657,58 +5600,20 @@
         </p:blipFill>
         <p:spPr>
           <a:xfrm>
-            <a:off x="2630564" y="2055432"/>
-            <a:ext cx="1484236" cy="975824"/>
+            <a:off x="296472" y="2824819"/>
+            <a:ext cx="2118788" cy="2118788"/>
           </a:xfrm>
           <a:prstGeom prst="rect">
             <a:avLst/>
           </a:prstGeom>
         </p:spPr>
       </p:pic>
-      <p:sp>
-        <p:nvSpPr>
-          <p:cNvPr id="7" name="テキスト ボックス 6">
-            <a:extLst>
-              <a:ext uri="{FF2B5EF4-FFF2-40B4-BE49-F238E27FC236}">
-                <a16:creationId xmlns:a16="http://schemas.microsoft.com/office/drawing/2014/main" id="{4C6BC871-4A03-1445-83A1-52315AECCBEA}"/>
-              </a:ext>
-            </a:extLst>
-          </p:cNvPr>
-          <p:cNvSpPr txBox="1"/>
-          <p:nvPr/>
-        </p:nvSpPr>
-        <p:spPr>
-          <a:xfrm>
-            <a:off x="3909703" y="4397449"/>
-            <a:ext cx="1225651" cy="646331"/>
-          </a:xfrm>
-          <a:prstGeom prst="rect">
-            <a:avLst/>
-          </a:prstGeom>
-          <a:noFill/>
-        </p:spPr>
-        <p:txBody>
-          <a:bodyPr wrap="square" rtlCol="0">
-            <a:spAutoFit/>
-          </a:bodyPr>
-          <a:lstStyle/>
-          <a:p>
-            <a:r>
-              <a:rPr lang="en-US" altLang="ja-JP" dirty="0"/>
-              <a:t>AWS IoT</a:t>
-            </a:r>
-          </a:p>
-          <a:p>
-            <a:endParaRPr kumimoji="1" lang="ja-JP" altLang="en-US"/>
-          </a:p>
-        </p:txBody>
-      </p:sp>
       <p:pic>
         <p:nvPicPr>
-          <p:cNvPr id="9" name="図 8">
-            <a:extLst>
-              <a:ext uri="{FF2B5EF4-FFF2-40B4-BE49-F238E27FC236}">
-                <a16:creationId xmlns:a16="http://schemas.microsoft.com/office/drawing/2014/main" id="{5848FD20-278C-BC4E-8057-65A939FD0A39}"/>
+          <p:cNvPr id="8" name="図 7">
+            <a:extLst>
+              <a:ext uri="{FF2B5EF4-FFF2-40B4-BE49-F238E27FC236}">
+                <a16:creationId xmlns:a16="http://schemas.microsoft.com/office/drawing/2014/main" id="{1EDED28B-AAD3-1C46-A7F2-CF3BFB1EB73D}"/>
               </a:ext>
             </a:extLst>
           </p:cNvPr>
@@ -4725,56 +5630,20 @@
         </p:blipFill>
         <p:spPr>
           <a:xfrm>
-            <a:off x="6202525" y="2977633"/>
-            <a:ext cx="1604482" cy="1604482"/>
+            <a:off x="9217486" y="2226633"/>
+            <a:ext cx="1766777" cy="1766777"/>
           </a:xfrm>
           <a:prstGeom prst="rect">
             <a:avLst/>
           </a:prstGeom>
         </p:spPr>
       </p:pic>
-      <p:sp>
-        <p:nvSpPr>
-          <p:cNvPr id="10" name="テキスト ボックス 9">
-            <a:extLst>
-              <a:ext uri="{FF2B5EF4-FFF2-40B4-BE49-F238E27FC236}">
-                <a16:creationId xmlns:a16="http://schemas.microsoft.com/office/drawing/2014/main" id="{AEA72058-FE52-B946-86B0-D1AB1817183F}"/>
-              </a:ext>
-            </a:extLst>
-          </p:cNvPr>
-          <p:cNvSpPr txBox="1"/>
-          <p:nvPr/>
-        </p:nvSpPr>
-        <p:spPr>
-          <a:xfrm>
-            <a:off x="6067650" y="4397449"/>
-            <a:ext cx="1874231" cy="369332"/>
-          </a:xfrm>
-          <a:prstGeom prst="rect">
-            <a:avLst/>
-          </a:prstGeom>
-          <a:noFill/>
-        </p:spPr>
-        <p:txBody>
-          <a:bodyPr wrap="none" rtlCol="0">
-            <a:spAutoFit/>
-          </a:bodyPr>
-          <a:lstStyle/>
-          <a:p>
-            <a:r>
-              <a:rPr kumimoji="1" lang="en-US" altLang="ja-JP" dirty="0"/>
-              <a:t>Raspberry pi 3B</a:t>
-            </a:r>
-            <a:endParaRPr kumimoji="1" lang="ja-JP" altLang="en-US"/>
-          </a:p>
-        </p:txBody>
-      </p:sp>
       <p:pic>
         <p:nvPicPr>
-          <p:cNvPr id="18" name="図 17">
-            <a:extLst>
-              <a:ext uri="{FF2B5EF4-FFF2-40B4-BE49-F238E27FC236}">
-                <a16:creationId xmlns:a16="http://schemas.microsoft.com/office/drawing/2014/main" id="{B58EA845-3E3F-AE40-9144-42550F1FC9C8}"/>
+          <p:cNvPr id="26" name="図 25">
+            <a:extLst>
+              <a:ext uri="{FF2B5EF4-FFF2-40B4-BE49-F238E27FC236}">
+                <a16:creationId xmlns:a16="http://schemas.microsoft.com/office/drawing/2014/main" id="{CF222EF2-A0E4-0C43-A1F0-12212DF57C36}"/>
               </a:ext>
             </a:extLst>
           </p:cNvPr>
@@ -4785,158 +5654,6 @@
         </p:nvPicPr>
         <p:blipFill>
           <a:blip r:embed="rId5"/>
-          <a:stretch>
-            <a:fillRect/>
-          </a:stretch>
-        </p:blipFill>
-        <p:spPr>
-          <a:xfrm>
-            <a:off x="296472" y="2824819"/>
-            <a:ext cx="2118788" cy="2118788"/>
-          </a:xfrm>
-          <a:prstGeom prst="rect">
-            <a:avLst/>
-          </a:prstGeom>
-        </p:spPr>
-      </p:pic>
-      <p:cxnSp>
-        <p:nvCxnSpPr>
-          <p:cNvPr id="20" name="直線矢印コネクタ 19">
-            <a:extLst>
-              <a:ext uri="{FF2B5EF4-FFF2-40B4-BE49-F238E27FC236}">
-                <a16:creationId xmlns:a16="http://schemas.microsoft.com/office/drawing/2014/main" id="{B5D983EF-4B28-A245-89B0-E05E72927B9E}"/>
-              </a:ext>
-            </a:extLst>
-          </p:cNvPr>
-          <p:cNvCxnSpPr>
-            <a:cxnSpLocks/>
-          </p:cNvCxnSpPr>
-          <p:nvPr/>
-        </p:nvCxnSpPr>
-        <p:spPr>
-          <a:xfrm>
-            <a:off x="2179674" y="3779874"/>
-            <a:ext cx="1730029" cy="0"/>
-          </a:xfrm>
-          <a:prstGeom prst="straightConnector1">
-            <a:avLst/>
-          </a:prstGeom>
-          <a:ln w="19050" cap="flat" cmpd="sng" algn="ctr">
-            <a:solidFill>
-              <a:schemeClr val="tx1"/>
-            </a:solidFill>
-            <a:prstDash val="solid"/>
-            <a:round/>
-            <a:headEnd type="triangle" w="med" len="med"/>
-            <a:tailEnd type="triangle" w="med" len="med"/>
-          </a:ln>
-        </p:spPr>
-        <p:style>
-          <a:lnRef idx="0">
-            <a:scrgbClr r="0" g="0" b="0"/>
-          </a:lnRef>
-          <a:fillRef idx="0">
-            <a:scrgbClr r="0" g="0" b="0"/>
-          </a:fillRef>
-          <a:effectRef idx="0">
-            <a:scrgbClr r="0" g="0" b="0"/>
-          </a:effectRef>
-          <a:fontRef idx="minor">
-            <a:schemeClr val="tx1"/>
-          </a:fontRef>
-        </p:style>
-      </p:cxnSp>
-      <p:cxnSp>
-        <p:nvCxnSpPr>
-          <p:cNvPr id="21" name="直線矢印コネクタ 20">
-            <a:extLst>
-              <a:ext uri="{FF2B5EF4-FFF2-40B4-BE49-F238E27FC236}">
-                <a16:creationId xmlns:a16="http://schemas.microsoft.com/office/drawing/2014/main" id="{3B3C3D03-9224-3E4A-BFDE-3440B4722A5F}"/>
-              </a:ext>
-            </a:extLst>
-          </p:cNvPr>
-          <p:cNvCxnSpPr/>
-          <p:nvPr/>
-        </p:nvCxnSpPr>
-        <p:spPr>
-          <a:xfrm>
-            <a:off x="5067798" y="3779874"/>
-            <a:ext cx="1316768" cy="0"/>
-          </a:xfrm>
-          <a:prstGeom prst="straightConnector1">
-            <a:avLst/>
-          </a:prstGeom>
-          <a:ln w="19050" cap="flat" cmpd="sng" algn="ctr">
-            <a:solidFill>
-              <a:schemeClr val="tx1"/>
-            </a:solidFill>
-            <a:prstDash val="solid"/>
-            <a:round/>
-            <a:headEnd type="triangle" w="med" len="med"/>
-            <a:tailEnd type="triangle" w="med" len="med"/>
-          </a:ln>
-        </p:spPr>
-        <p:style>
-          <a:lnRef idx="0">
-            <a:scrgbClr r="0" g="0" b="0"/>
-          </a:lnRef>
-          <a:fillRef idx="0">
-            <a:scrgbClr r="0" g="0" b="0"/>
-          </a:fillRef>
-          <a:effectRef idx="0">
-            <a:scrgbClr r="0" g="0" b="0"/>
-          </a:effectRef>
-          <a:fontRef idx="minor">
-            <a:schemeClr val="tx1"/>
-          </a:fontRef>
-        </p:style>
-      </p:cxnSp>
-      <p:pic>
-        <p:nvPicPr>
-          <p:cNvPr id="8" name="図 7">
-            <a:extLst>
-              <a:ext uri="{FF2B5EF4-FFF2-40B4-BE49-F238E27FC236}">
-                <a16:creationId xmlns:a16="http://schemas.microsoft.com/office/drawing/2014/main" id="{1EDED28B-AAD3-1C46-A7F2-CF3BFB1EB73D}"/>
-              </a:ext>
-            </a:extLst>
-          </p:cNvPr>
-          <p:cNvPicPr>
-            <a:picLocks noChangeAspect="1"/>
-          </p:cNvPicPr>
-          <p:nvPr/>
-        </p:nvPicPr>
-        <p:blipFill>
-          <a:blip r:embed="rId6"/>
-          <a:stretch>
-            <a:fillRect/>
-          </a:stretch>
-        </p:blipFill>
-        <p:spPr>
-          <a:xfrm>
-            <a:off x="9217486" y="2226633"/>
-            <a:ext cx="1766777" cy="1766777"/>
-          </a:xfrm>
-          <a:prstGeom prst="rect">
-            <a:avLst/>
-          </a:prstGeom>
-        </p:spPr>
-      </p:pic>
-      <p:pic>
-        <p:nvPicPr>
-          <p:cNvPr id="26" name="図 25">
-            <a:extLst>
-              <a:ext uri="{FF2B5EF4-FFF2-40B4-BE49-F238E27FC236}">
-                <a16:creationId xmlns:a16="http://schemas.microsoft.com/office/drawing/2014/main" id="{CF222EF2-A0E4-0C43-A1F0-12212DF57C36}"/>
-              </a:ext>
-            </a:extLst>
-          </p:cNvPr>
-          <p:cNvPicPr>
-            <a:picLocks noChangeAspect="1"/>
-          </p:cNvPicPr>
-          <p:nvPr/>
-        </p:nvPicPr>
-        <p:blipFill>
-          <a:blip r:embed="rId7"/>
           <a:stretch>
             <a:fillRect/>
           </a:stretch>
@@ -5034,6 +5751,194 @@
           </a:p>
         </p:txBody>
       </p:sp>
+      <p:sp>
+        <p:nvSpPr>
+          <p:cNvPr id="25" name="角丸四角形 5">
+            <a:extLst>
+              <a:ext uri="{FF2B5EF4-FFF2-40B4-BE49-F238E27FC236}">
+                <a16:creationId xmlns:a16="http://schemas.microsoft.com/office/drawing/2014/main" id="{35A8401D-057A-4070-B041-CD2B1B6D61DB}"/>
+              </a:ext>
+            </a:extLst>
+          </p:cNvPr>
+          <p:cNvSpPr/>
+          <p:nvPr/>
+        </p:nvSpPr>
+        <p:spPr>
+          <a:xfrm>
+            <a:off x="2948369" y="2574234"/>
+            <a:ext cx="3082213" cy="2369370"/>
+          </a:xfrm>
+          <a:prstGeom prst="roundRect">
+            <a:avLst/>
+          </a:prstGeom>
+          <a:noFill/>
+          <a:ln w="9525"/>
+        </p:spPr>
+        <p:style>
+          <a:lnRef idx="2">
+            <a:schemeClr val="dk1"/>
+          </a:lnRef>
+          <a:fillRef idx="1">
+            <a:schemeClr val="lt1"/>
+          </a:fillRef>
+          <a:effectRef idx="0">
+            <a:schemeClr val="dk1"/>
+          </a:effectRef>
+          <a:fontRef idx="minor">
+            <a:schemeClr val="dk1"/>
+          </a:fontRef>
+        </p:style>
+        <p:txBody>
+          <a:bodyPr rtlCol="0" anchor="ctr"/>
+          <a:lstStyle/>
+          <a:p>
+            <a:pPr algn="ctr"/>
+            <a:endParaRPr kumimoji="1" lang="ja-JP" altLang="en-US"/>
+          </a:p>
+        </p:txBody>
+      </p:sp>
+      <p:pic>
+        <p:nvPicPr>
+          <p:cNvPr id="27" name="図 26">
+            <a:extLst>
+              <a:ext uri="{FF2B5EF4-FFF2-40B4-BE49-F238E27FC236}">
+                <a16:creationId xmlns:a16="http://schemas.microsoft.com/office/drawing/2014/main" id="{A7318EFF-2860-40BF-A246-09634543B982}"/>
+              </a:ext>
+            </a:extLst>
+          </p:cNvPr>
+          <p:cNvPicPr>
+            <a:picLocks noChangeAspect="1"/>
+          </p:cNvPicPr>
+          <p:nvPr/>
+        </p:nvPicPr>
+        <p:blipFill>
+          <a:blip r:embed="rId6"/>
+          <a:stretch>
+            <a:fillRect/>
+          </a:stretch>
+        </p:blipFill>
+        <p:spPr>
+          <a:xfrm>
+            <a:off x="2813219" y="1953318"/>
+            <a:ext cx="3160066" cy="889400"/>
+          </a:xfrm>
+          <a:prstGeom prst="rect">
+            <a:avLst/>
+          </a:prstGeom>
+        </p:spPr>
+      </p:pic>
+      <p:pic>
+        <p:nvPicPr>
+          <p:cNvPr id="16" name="図 15">
+            <a:extLst>
+              <a:ext uri="{FF2B5EF4-FFF2-40B4-BE49-F238E27FC236}">
+                <a16:creationId xmlns:a16="http://schemas.microsoft.com/office/drawing/2014/main" id="{A42DCE9F-1811-4840-BD88-4CD610A0E29D}"/>
+              </a:ext>
+            </a:extLst>
+          </p:cNvPr>
+          <p:cNvPicPr>
+            <a:picLocks noChangeAspect="1"/>
+          </p:cNvPicPr>
+          <p:nvPr/>
+        </p:nvPicPr>
+        <p:blipFill>
+          <a:blip r:embed="rId7"/>
+          <a:stretch>
+            <a:fillRect/>
+          </a:stretch>
+        </p:blipFill>
+        <p:spPr>
+          <a:xfrm>
+            <a:off x="3376054" y="2888528"/>
+            <a:ext cx="2130729" cy="1865392"/>
+          </a:xfrm>
+          <a:prstGeom prst="rect">
+            <a:avLst/>
+          </a:prstGeom>
+        </p:spPr>
+      </p:pic>
+      <p:cxnSp>
+        <p:nvCxnSpPr>
+          <p:cNvPr id="6" name="直線矢印コネクタ 5">
+            <a:extLst>
+              <a:ext uri="{FF2B5EF4-FFF2-40B4-BE49-F238E27FC236}">
+                <a16:creationId xmlns:a16="http://schemas.microsoft.com/office/drawing/2014/main" id="{73408570-7C46-430C-917A-01E6E2E3FA00}"/>
+              </a:ext>
+            </a:extLst>
+          </p:cNvPr>
+          <p:cNvCxnSpPr>
+            <a:cxnSpLocks/>
+          </p:cNvCxnSpPr>
+          <p:nvPr/>
+        </p:nvCxnSpPr>
+        <p:spPr>
+          <a:xfrm flipH="1">
+            <a:off x="2415260" y="3862518"/>
+            <a:ext cx="1316768" cy="0"/>
+          </a:xfrm>
+          <a:prstGeom prst="straightConnector1">
+            <a:avLst/>
+          </a:prstGeom>
+          <a:ln w="19050">
+            <a:tailEnd type="triangle"/>
+          </a:ln>
+        </p:spPr>
+        <p:style>
+          <a:lnRef idx="1">
+            <a:schemeClr val="dk1"/>
+          </a:lnRef>
+          <a:fillRef idx="0">
+            <a:schemeClr val="dk1"/>
+          </a:fillRef>
+          <a:effectRef idx="0">
+            <a:schemeClr val="dk1"/>
+          </a:effectRef>
+          <a:fontRef idx="minor">
+            <a:schemeClr val="tx1"/>
+          </a:fontRef>
+        </p:style>
+      </p:cxnSp>
+      <p:cxnSp>
+        <p:nvCxnSpPr>
+          <p:cNvPr id="20" name="直線矢印コネクタ 19">
+            <a:extLst>
+              <a:ext uri="{FF2B5EF4-FFF2-40B4-BE49-F238E27FC236}">
+                <a16:creationId xmlns:a16="http://schemas.microsoft.com/office/drawing/2014/main" id="{5D51DF81-B8AB-4A89-B21B-966FAAD60136}"/>
+              </a:ext>
+            </a:extLst>
+          </p:cNvPr>
+          <p:cNvCxnSpPr>
+            <a:cxnSpLocks/>
+          </p:cNvCxnSpPr>
+          <p:nvPr/>
+        </p:nvCxnSpPr>
+        <p:spPr>
+          <a:xfrm flipH="1">
+            <a:off x="5091120" y="3862518"/>
+            <a:ext cx="1316768" cy="0"/>
+          </a:xfrm>
+          <a:prstGeom prst="straightConnector1">
+            <a:avLst/>
+          </a:prstGeom>
+          <a:ln w="19050">
+            <a:tailEnd type="triangle"/>
+          </a:ln>
+        </p:spPr>
+        <p:style>
+          <a:lnRef idx="1">
+            <a:schemeClr val="dk1"/>
+          </a:lnRef>
+          <a:fillRef idx="0">
+            <a:schemeClr val="dk1"/>
+          </a:fillRef>
+          <a:effectRef idx="0">
+            <a:schemeClr val="dk1"/>
+          </a:effectRef>
+          <a:fontRef idx="minor">
+            <a:schemeClr val="tx1"/>
+          </a:fontRef>
+        </p:style>
+      </p:cxnSp>
     </p:spTree>
     <p:extLst>
       <p:ext uri="{BB962C8B-B14F-4D97-AF65-F5344CB8AC3E}">
@@ -5122,10 +6027,10 @@
       </p:sp>
       <p:pic>
         <p:nvPicPr>
-          <p:cNvPr id="4" name="図 3">
-            <a:extLst>
-              <a:ext uri="{FF2B5EF4-FFF2-40B4-BE49-F238E27FC236}">
-                <a16:creationId xmlns:a16="http://schemas.microsoft.com/office/drawing/2014/main" id="{DC0F8746-7FBF-A042-AA8A-9B75FB9C894B}"/>
+          <p:cNvPr id="9" name="図 8">
+            <a:extLst>
+              <a:ext uri="{FF2B5EF4-FFF2-40B4-BE49-F238E27FC236}">
+                <a16:creationId xmlns:a16="http://schemas.microsoft.com/office/drawing/2014/main" id="{5848FD20-278C-BC4E-8057-65A939FD0A39}"/>
               </a:ext>
             </a:extLst>
           </p:cNvPr>
@@ -5142,8 +6047,8 @@
         </p:blipFill>
         <p:spPr>
           <a:xfrm>
-            <a:off x="4015738" y="3110022"/>
-            <a:ext cx="1013583" cy="1192909"/>
+            <a:off x="6202525" y="2977633"/>
+            <a:ext cx="1604482" cy="1604482"/>
           </a:xfrm>
           <a:prstGeom prst="rect">
             <a:avLst/>
@@ -5152,55 +6057,46 @@
       </p:pic>
       <p:sp>
         <p:nvSpPr>
-          <p:cNvPr id="6" name="角丸四角形 5">
-            <a:extLst>
-              <a:ext uri="{FF2B5EF4-FFF2-40B4-BE49-F238E27FC236}">
-                <a16:creationId xmlns:a16="http://schemas.microsoft.com/office/drawing/2014/main" id="{186E2296-89E9-4C4F-BADB-1D77A52EBA90}"/>
-              </a:ext>
-            </a:extLst>
-          </p:cNvPr>
-          <p:cNvSpPr/>
+          <p:cNvPr id="10" name="テキスト ボックス 9">
+            <a:extLst>
+              <a:ext uri="{FF2B5EF4-FFF2-40B4-BE49-F238E27FC236}">
+                <a16:creationId xmlns:a16="http://schemas.microsoft.com/office/drawing/2014/main" id="{AEA72058-FE52-B946-86B0-D1AB1817183F}"/>
+              </a:ext>
+            </a:extLst>
+          </p:cNvPr>
+          <p:cNvSpPr txBox="1"/>
           <p:nvPr/>
         </p:nvSpPr>
         <p:spPr>
           <a:xfrm>
-            <a:off x="3355122" y="2687847"/>
-            <a:ext cx="2371060" cy="2184054"/>
-          </a:xfrm>
-          <a:prstGeom prst="roundRect">
+            <a:off x="6067650" y="4397449"/>
+            <a:ext cx="1874231" cy="369332"/>
+          </a:xfrm>
+          <a:prstGeom prst="rect">
             <a:avLst/>
           </a:prstGeom>
           <a:noFill/>
         </p:spPr>
-        <p:style>
-          <a:lnRef idx="2">
-            <a:schemeClr val="dk1"/>
-          </a:lnRef>
-          <a:fillRef idx="1">
-            <a:schemeClr val="lt1"/>
-          </a:fillRef>
-          <a:effectRef idx="0">
-            <a:schemeClr val="dk1"/>
-          </a:effectRef>
-          <a:fontRef idx="minor">
-            <a:schemeClr val="dk1"/>
-          </a:fontRef>
-        </p:style>
-        <p:txBody>
-          <a:bodyPr rtlCol="0" anchor="ctr"/>
+        <p:txBody>
+          <a:bodyPr wrap="none" rtlCol="0">
+            <a:spAutoFit/>
+          </a:bodyPr>
           <a:lstStyle/>
           <a:p>
-            <a:pPr algn="ctr"/>
+            <a:r>
+              <a:rPr kumimoji="1" lang="en-US" altLang="ja-JP" dirty="0"/>
+              <a:t>Raspberry pi 3B</a:t>
+            </a:r>
             <a:endParaRPr kumimoji="1" lang="ja-JP" altLang="en-US"/>
           </a:p>
         </p:txBody>
       </p:sp>
       <p:pic>
         <p:nvPicPr>
-          <p:cNvPr id="5" name="図 4">
-            <a:extLst>
-              <a:ext uri="{FF2B5EF4-FFF2-40B4-BE49-F238E27FC236}">
-                <a16:creationId xmlns:a16="http://schemas.microsoft.com/office/drawing/2014/main" id="{5566CF40-91CC-3D4E-BA54-1422B9BD6056}"/>
+          <p:cNvPr id="18" name="図 17">
+            <a:extLst>
+              <a:ext uri="{FF2B5EF4-FFF2-40B4-BE49-F238E27FC236}">
+                <a16:creationId xmlns:a16="http://schemas.microsoft.com/office/drawing/2014/main" id="{B58EA845-3E3F-AE40-9144-42550F1FC9C8}"/>
               </a:ext>
             </a:extLst>
           </p:cNvPr>
@@ -5217,58 +6113,20 @@
         </p:blipFill>
         <p:spPr>
           <a:xfrm>
-            <a:off x="2630564" y="2055432"/>
-            <a:ext cx="1484236" cy="975824"/>
+            <a:off x="296472" y="2824819"/>
+            <a:ext cx="2118788" cy="2118788"/>
           </a:xfrm>
           <a:prstGeom prst="rect">
             <a:avLst/>
           </a:prstGeom>
         </p:spPr>
       </p:pic>
-      <p:sp>
-        <p:nvSpPr>
-          <p:cNvPr id="7" name="テキスト ボックス 6">
-            <a:extLst>
-              <a:ext uri="{FF2B5EF4-FFF2-40B4-BE49-F238E27FC236}">
-                <a16:creationId xmlns:a16="http://schemas.microsoft.com/office/drawing/2014/main" id="{4C6BC871-4A03-1445-83A1-52315AECCBEA}"/>
-              </a:ext>
-            </a:extLst>
-          </p:cNvPr>
-          <p:cNvSpPr txBox="1"/>
-          <p:nvPr/>
-        </p:nvSpPr>
-        <p:spPr>
-          <a:xfrm>
-            <a:off x="3909703" y="4397449"/>
-            <a:ext cx="1225651" cy="646331"/>
-          </a:xfrm>
-          <a:prstGeom prst="rect">
-            <a:avLst/>
-          </a:prstGeom>
-          <a:noFill/>
-        </p:spPr>
-        <p:txBody>
-          <a:bodyPr wrap="square" rtlCol="0">
-            <a:spAutoFit/>
-          </a:bodyPr>
-          <a:lstStyle/>
-          <a:p>
-            <a:r>
-              <a:rPr lang="en-US" altLang="ja-JP" dirty="0"/>
-              <a:t>AWS IoT</a:t>
-            </a:r>
-          </a:p>
-          <a:p>
-            <a:endParaRPr kumimoji="1" lang="ja-JP" altLang="en-US"/>
-          </a:p>
-        </p:txBody>
-      </p:sp>
       <p:pic>
         <p:nvPicPr>
-          <p:cNvPr id="9" name="図 8">
-            <a:extLst>
-              <a:ext uri="{FF2B5EF4-FFF2-40B4-BE49-F238E27FC236}">
-                <a16:creationId xmlns:a16="http://schemas.microsoft.com/office/drawing/2014/main" id="{5848FD20-278C-BC4E-8057-65A939FD0A39}"/>
+          <p:cNvPr id="3" name="図 2">
+            <a:extLst>
+              <a:ext uri="{FF2B5EF4-FFF2-40B4-BE49-F238E27FC236}">
+                <a16:creationId xmlns:a16="http://schemas.microsoft.com/office/drawing/2014/main" id="{4040A072-5258-CE40-B8F5-3CA18D13612A}"/>
               </a:ext>
             </a:extLst>
           </p:cNvPr>
@@ -5285,56 +6143,20 @@
         </p:blipFill>
         <p:spPr>
           <a:xfrm>
-            <a:off x="6202525" y="2977633"/>
-            <a:ext cx="1604482" cy="1604482"/>
+            <a:off x="9649148" y="4302931"/>
+            <a:ext cx="1662151" cy="1624752"/>
           </a:xfrm>
           <a:prstGeom prst="rect">
             <a:avLst/>
           </a:prstGeom>
         </p:spPr>
       </p:pic>
-      <p:sp>
-        <p:nvSpPr>
-          <p:cNvPr id="10" name="テキスト ボックス 9">
-            <a:extLst>
-              <a:ext uri="{FF2B5EF4-FFF2-40B4-BE49-F238E27FC236}">
-                <a16:creationId xmlns:a16="http://schemas.microsoft.com/office/drawing/2014/main" id="{AEA72058-FE52-B946-86B0-D1AB1817183F}"/>
-              </a:ext>
-            </a:extLst>
-          </p:cNvPr>
-          <p:cNvSpPr txBox="1"/>
-          <p:nvPr/>
-        </p:nvSpPr>
-        <p:spPr>
-          <a:xfrm>
-            <a:off x="6067650" y="4397449"/>
-            <a:ext cx="1874231" cy="369332"/>
-          </a:xfrm>
-          <a:prstGeom prst="rect">
-            <a:avLst/>
-          </a:prstGeom>
-          <a:noFill/>
-        </p:spPr>
-        <p:txBody>
-          <a:bodyPr wrap="none" rtlCol="0">
-            <a:spAutoFit/>
-          </a:bodyPr>
-          <a:lstStyle/>
-          <a:p>
-            <a:r>
-              <a:rPr kumimoji="1" lang="en-US" altLang="ja-JP" dirty="0"/>
-              <a:t>Raspberry pi 3B</a:t>
-            </a:r>
-            <a:endParaRPr kumimoji="1" lang="ja-JP" altLang="en-US"/>
-          </a:p>
-        </p:txBody>
-      </p:sp>
       <p:pic>
         <p:nvPicPr>
-          <p:cNvPr id="18" name="図 17">
-            <a:extLst>
-              <a:ext uri="{FF2B5EF4-FFF2-40B4-BE49-F238E27FC236}">
-                <a16:creationId xmlns:a16="http://schemas.microsoft.com/office/drawing/2014/main" id="{B58EA845-3E3F-AE40-9144-42550F1FC9C8}"/>
+          <p:cNvPr id="8" name="図 7">
+            <a:extLst>
+              <a:ext uri="{FF2B5EF4-FFF2-40B4-BE49-F238E27FC236}">
+                <a16:creationId xmlns:a16="http://schemas.microsoft.com/office/drawing/2014/main" id="{5B113F85-AEFD-2545-8CEB-C25337BAC7FA}"/>
               </a:ext>
             </a:extLst>
           </p:cNvPr>
@@ -5350,9 +6172,9 @@
           </a:stretch>
         </p:blipFill>
         <p:spPr>
-          <a:xfrm>
-            <a:off x="296472" y="2824819"/>
-            <a:ext cx="2118788" cy="2118788"/>
+          <a:xfrm flipH="1">
+            <a:off x="8987619" y="3371518"/>
+            <a:ext cx="1025931" cy="1025931"/>
           </a:xfrm>
           <a:prstGeom prst="rect">
             <a:avLst/>
@@ -5361,22 +6183,23 @@
       </p:pic>
       <p:cxnSp>
         <p:nvCxnSpPr>
-          <p:cNvPr id="20" name="直線矢印コネクタ 19">
-            <a:extLst>
-              <a:ext uri="{FF2B5EF4-FFF2-40B4-BE49-F238E27FC236}">
-                <a16:creationId xmlns:a16="http://schemas.microsoft.com/office/drawing/2014/main" id="{B5D983EF-4B28-A245-89B0-E05E72927B9E}"/>
+          <p:cNvPr id="24" name="直線矢印コネクタ 23">
+            <a:extLst>
+              <a:ext uri="{FF2B5EF4-FFF2-40B4-BE49-F238E27FC236}">
+                <a16:creationId xmlns:a16="http://schemas.microsoft.com/office/drawing/2014/main" id="{332054CD-02EE-BA4B-BBAB-F82F9A995DB9}"/>
               </a:ext>
             </a:extLst>
           </p:cNvPr>
           <p:cNvCxnSpPr>
-            <a:stCxn id="18" idx="3"/>
+            <a:cxnSpLocks/>
+            <a:endCxn id="8" idx="3"/>
           </p:cNvCxnSpPr>
           <p:nvPr/>
         </p:nvCxnSpPr>
         <p:spPr>
           <a:xfrm>
-            <a:off x="2415260" y="3884213"/>
-            <a:ext cx="1316768" cy="0"/>
+            <a:off x="7583870" y="3884484"/>
+            <a:ext cx="1403749" cy="0"/>
           </a:xfrm>
           <a:prstGeom prst="straightConnector1">
             <a:avLst/>
@@ -5388,7 +6211,7 @@
             <a:prstDash val="solid"/>
             <a:round/>
             <a:headEnd type="triangle" w="med" len="med"/>
-            <a:tailEnd type="triangle" w="med" len="med"/>
+            <a:tailEnd type="none" w="med" len="med"/>
           </a:ln>
         </p:spPr>
         <p:style>
@@ -5406,59 +6229,93 @@
           </a:fontRef>
         </p:style>
       </p:cxnSp>
-      <p:cxnSp>
-        <p:nvCxnSpPr>
-          <p:cNvPr id="21" name="直線矢印コネクタ 20">
-            <a:extLst>
-              <a:ext uri="{FF2B5EF4-FFF2-40B4-BE49-F238E27FC236}">
-                <a16:creationId xmlns:a16="http://schemas.microsoft.com/office/drawing/2014/main" id="{3B3C3D03-9224-3E4A-BFDE-3440B4722A5F}"/>
-              </a:ext>
-            </a:extLst>
-          </p:cNvPr>
-          <p:cNvCxnSpPr>
-            <a:cxnSpLocks/>
-          </p:cNvCxnSpPr>
+      <p:sp>
+        <p:nvSpPr>
+          <p:cNvPr id="29" name="テキスト ボックス 28">
+            <a:extLst>
+              <a:ext uri="{FF2B5EF4-FFF2-40B4-BE49-F238E27FC236}">
+                <a16:creationId xmlns:a16="http://schemas.microsoft.com/office/drawing/2014/main" id="{18BDEF71-08AB-9247-AD07-82D3709421DA}"/>
+              </a:ext>
+            </a:extLst>
+          </p:cNvPr>
+          <p:cNvSpPr txBox="1"/>
           <p:nvPr/>
-        </p:nvCxnSpPr>
+        </p:nvSpPr>
         <p:spPr>
           <a:xfrm>
-            <a:off x="5091120" y="3859189"/>
-            <a:ext cx="1309680" cy="25024"/>
-          </a:xfrm>
-          <a:prstGeom prst="straightConnector1">
+            <a:off x="8452059" y="3061727"/>
+            <a:ext cx="2097049" cy="369332"/>
+          </a:xfrm>
+          <a:prstGeom prst="rect">
             <a:avLst/>
           </a:prstGeom>
-          <a:ln w="19050" cap="flat" cmpd="sng" algn="ctr">
-            <a:solidFill>
-              <a:schemeClr val="tx1"/>
-            </a:solidFill>
-            <a:prstDash val="solid"/>
-            <a:round/>
-            <a:headEnd type="triangle" w="med" len="med"/>
-            <a:tailEnd type="triangle" w="med" len="med"/>
-          </a:ln>
+          <a:noFill/>
+        </p:spPr>
+        <p:txBody>
+          <a:bodyPr wrap="none" rtlCol="0">
+            <a:spAutoFit/>
+          </a:bodyPr>
+          <a:lstStyle/>
+          <a:p>
+            <a:r>
+              <a:rPr kumimoji="1" lang="ja-JP" altLang="en-US"/>
+              <a:t>カメラモジュール </a:t>
+            </a:r>
+          </a:p>
+        </p:txBody>
+      </p:sp>
+      <p:sp>
+        <p:nvSpPr>
+          <p:cNvPr id="16" name="角丸四角形 5">
+            <a:extLst>
+              <a:ext uri="{FF2B5EF4-FFF2-40B4-BE49-F238E27FC236}">
+                <a16:creationId xmlns:a16="http://schemas.microsoft.com/office/drawing/2014/main" id="{4290792F-C194-442D-B535-668AC6698794}"/>
+              </a:ext>
+            </a:extLst>
+          </p:cNvPr>
+          <p:cNvSpPr/>
+          <p:nvPr/>
+        </p:nvSpPr>
+        <p:spPr>
+          <a:xfrm>
+            <a:off x="2948369" y="1878503"/>
+            <a:ext cx="3082213" cy="4695624"/>
+          </a:xfrm>
+          <a:prstGeom prst="roundRect">
+            <a:avLst/>
+          </a:prstGeom>
+          <a:noFill/>
+          <a:ln w="9525"/>
         </p:spPr>
         <p:style>
-          <a:lnRef idx="0">
-            <a:scrgbClr r="0" g="0" b="0"/>
+          <a:lnRef idx="2">
+            <a:schemeClr val="dk1"/>
           </a:lnRef>
-          <a:fillRef idx="0">
-            <a:scrgbClr r="0" g="0" b="0"/>
+          <a:fillRef idx="1">
+            <a:schemeClr val="lt1"/>
           </a:fillRef>
           <a:effectRef idx="0">
-            <a:scrgbClr r="0" g="0" b="0"/>
+            <a:schemeClr val="dk1"/>
           </a:effectRef>
           <a:fontRef idx="minor">
-            <a:schemeClr val="tx1"/>
+            <a:schemeClr val="dk1"/>
           </a:fontRef>
         </p:style>
-      </p:cxnSp>
+        <p:txBody>
+          <a:bodyPr rtlCol="0" anchor="ctr"/>
+          <a:lstStyle/>
+          <a:p>
+            <a:pPr algn="ctr"/>
+            <a:endParaRPr kumimoji="1" lang="ja-JP" altLang="en-US"/>
+          </a:p>
+        </p:txBody>
+      </p:sp>
       <p:pic>
         <p:nvPicPr>
-          <p:cNvPr id="3" name="図 2">
-            <a:extLst>
-              <a:ext uri="{FF2B5EF4-FFF2-40B4-BE49-F238E27FC236}">
-                <a16:creationId xmlns:a16="http://schemas.microsoft.com/office/drawing/2014/main" id="{4040A072-5258-CE40-B8F5-3CA18D13612A}"/>
+          <p:cNvPr id="17" name="図 16">
+            <a:extLst>
+              <a:ext uri="{FF2B5EF4-FFF2-40B4-BE49-F238E27FC236}">
+                <a16:creationId xmlns:a16="http://schemas.microsoft.com/office/drawing/2014/main" id="{1573EFC1-BC07-422A-91E5-CBDA9A1DDE3B}"/>
               </a:ext>
             </a:extLst>
           </p:cNvPr>
@@ -5475,20 +6332,66 @@
         </p:blipFill>
         <p:spPr>
           <a:xfrm>
-            <a:off x="9649148" y="4302931"/>
-            <a:ext cx="1662151" cy="1624752"/>
+            <a:off x="2774842" y="1277914"/>
+            <a:ext cx="3160066" cy="889400"/>
           </a:xfrm>
           <a:prstGeom prst="rect">
             <a:avLst/>
           </a:prstGeom>
         </p:spPr>
       </p:pic>
+      <p:cxnSp>
+        <p:nvCxnSpPr>
+          <p:cNvPr id="28" name="カギ線コネクタ 22">
+            <a:extLst>
+              <a:ext uri="{FF2B5EF4-FFF2-40B4-BE49-F238E27FC236}">
+                <a16:creationId xmlns:a16="http://schemas.microsoft.com/office/drawing/2014/main" id="{90D90B83-7070-4DDB-827F-EF6CA3B444D6}"/>
+              </a:ext>
+            </a:extLst>
+          </p:cNvPr>
+          <p:cNvCxnSpPr>
+            <a:cxnSpLocks/>
+            <a:stCxn id="9" idx="0"/>
+            <a:endCxn id="38" idx="3"/>
+          </p:cNvCxnSpPr>
+          <p:nvPr/>
+        </p:nvCxnSpPr>
+        <p:spPr>
+          <a:xfrm rot="16200000" flipV="1">
+            <a:off x="6031894" y="2004761"/>
+            <a:ext cx="294341" cy="1651404"/>
+          </a:xfrm>
+          <a:prstGeom prst="bentConnector2">
+            <a:avLst/>
+          </a:prstGeom>
+          <a:ln w="19050">
+            <a:solidFill>
+              <a:schemeClr val="tx1"/>
+            </a:solidFill>
+            <a:tailEnd type="triangle"/>
+          </a:ln>
+        </p:spPr>
+        <p:style>
+          <a:lnRef idx="1">
+            <a:schemeClr val="accent1"/>
+          </a:lnRef>
+          <a:fillRef idx="0">
+            <a:schemeClr val="accent1"/>
+          </a:fillRef>
+          <a:effectRef idx="0">
+            <a:schemeClr val="accent1"/>
+          </a:effectRef>
+          <a:fontRef idx="minor">
+            <a:schemeClr val="tx1"/>
+          </a:fontRef>
+        </p:style>
+      </p:cxnSp>
       <p:pic>
         <p:nvPicPr>
-          <p:cNvPr id="8" name="図 7">
-            <a:extLst>
-              <a:ext uri="{FF2B5EF4-FFF2-40B4-BE49-F238E27FC236}">
-                <a16:creationId xmlns:a16="http://schemas.microsoft.com/office/drawing/2014/main" id="{5B113F85-AEFD-2545-8CEB-C25337BAC7FA}"/>
+          <p:cNvPr id="36" name="図 35">
+            <a:extLst>
+              <a:ext uri="{FF2B5EF4-FFF2-40B4-BE49-F238E27FC236}">
+                <a16:creationId xmlns:a16="http://schemas.microsoft.com/office/drawing/2014/main" id="{82222E38-2819-41DA-90F2-ED57907CD611}"/>
               </a:ext>
             </a:extLst>
           </p:cNvPr>
@@ -5504,98 +6407,259 @@
           </a:stretch>
         </p:blipFill>
         <p:spPr>
-          <a:xfrm flipH="1">
-            <a:off x="8987619" y="3371518"/>
-            <a:ext cx="1025931" cy="1025931"/>
+          <a:xfrm>
+            <a:off x="3466512" y="3344743"/>
+            <a:ext cx="1949818" cy="1865392"/>
           </a:xfrm>
           <a:prstGeom prst="rect">
             <a:avLst/>
           </a:prstGeom>
         </p:spPr>
       </p:pic>
+      <p:pic>
+        <p:nvPicPr>
+          <p:cNvPr id="38" name="図 37">
+            <a:extLst>
+              <a:ext uri="{FF2B5EF4-FFF2-40B4-BE49-F238E27FC236}">
+                <a16:creationId xmlns:a16="http://schemas.microsoft.com/office/drawing/2014/main" id="{D3F4C04D-418B-4221-A730-C48EFF7AF37B}"/>
+              </a:ext>
+            </a:extLst>
+          </p:cNvPr>
+          <p:cNvPicPr>
+            <a:picLocks noChangeAspect="1"/>
+          </p:cNvPicPr>
+          <p:nvPr/>
+        </p:nvPicPr>
+        <p:blipFill>
+          <a:blip r:embed="rId8"/>
+          <a:stretch>
+            <a:fillRect/>
+          </a:stretch>
+        </p:blipFill>
+        <p:spPr>
+          <a:xfrm>
+            <a:off x="3545218" y="1751093"/>
+            <a:ext cx="1808144" cy="1864397"/>
+          </a:xfrm>
+          <a:prstGeom prst="rect">
+            <a:avLst/>
+          </a:prstGeom>
+        </p:spPr>
+      </p:pic>
+      <p:pic>
+        <p:nvPicPr>
+          <p:cNvPr id="40" name="図 39">
+            <a:extLst>
+              <a:ext uri="{FF2B5EF4-FFF2-40B4-BE49-F238E27FC236}">
+                <a16:creationId xmlns:a16="http://schemas.microsoft.com/office/drawing/2014/main" id="{1C0E6133-2E54-43A6-882E-7F74C6A38D22}"/>
+              </a:ext>
+            </a:extLst>
+          </p:cNvPr>
+          <p:cNvPicPr>
+            <a:picLocks noChangeAspect="1"/>
+          </p:cNvPicPr>
+          <p:nvPr/>
+        </p:nvPicPr>
+        <p:blipFill>
+          <a:blip r:embed="rId9"/>
+          <a:stretch>
+            <a:fillRect/>
+          </a:stretch>
+        </p:blipFill>
+        <p:spPr>
+          <a:xfrm>
+            <a:off x="3376054" y="4943608"/>
+            <a:ext cx="2130729" cy="1865392"/>
+          </a:xfrm>
+          <a:prstGeom prst="rect">
+            <a:avLst/>
+          </a:prstGeom>
+        </p:spPr>
+      </p:pic>
       <p:cxnSp>
         <p:nvCxnSpPr>
-          <p:cNvPr id="24" name="直線矢印コネクタ 23">
-            <a:extLst>
-              <a:ext uri="{FF2B5EF4-FFF2-40B4-BE49-F238E27FC236}">
-                <a16:creationId xmlns:a16="http://schemas.microsoft.com/office/drawing/2014/main" id="{332054CD-02EE-BA4B-BBAB-F82F9A995DB9}"/>
+          <p:cNvPr id="41" name="カギ線コネクタ 22">
+            <a:extLst>
+              <a:ext uri="{FF2B5EF4-FFF2-40B4-BE49-F238E27FC236}">
+                <a16:creationId xmlns:a16="http://schemas.microsoft.com/office/drawing/2014/main" id="{C9DE7CC9-2305-42A6-B000-5A372E3467C5}"/>
               </a:ext>
             </a:extLst>
           </p:cNvPr>
           <p:cNvCxnSpPr>
             <a:cxnSpLocks/>
-            <a:endCxn id="8" idx="3"/>
+            <a:stCxn id="38" idx="1"/>
+            <a:endCxn id="18" idx="3"/>
           </p:cNvCxnSpPr>
           <p:nvPr/>
         </p:nvCxnSpPr>
         <p:spPr>
-          <a:xfrm>
-            <a:off x="7583870" y="3884484"/>
-            <a:ext cx="1403749" cy="0"/>
-          </a:xfrm>
-          <a:prstGeom prst="straightConnector1">
-            <a:avLst/>
+          <a:xfrm rot="10800000" flipV="1">
+            <a:off x="2415260" y="2683291"/>
+            <a:ext cx="1129958" cy="1200921"/>
+          </a:xfrm>
+          <a:prstGeom prst="bentConnector3">
+            <a:avLst>
+              <a:gd name="adj1" fmla="val 61435"/>
+            </a:avLst>
           </a:prstGeom>
-          <a:ln w="19050" cap="flat" cmpd="sng" algn="ctr">
+          <a:ln w="19050">
             <a:solidFill>
               <a:schemeClr val="tx1"/>
             </a:solidFill>
-            <a:prstDash val="solid"/>
-            <a:round/>
-            <a:headEnd type="triangle" w="med" len="med"/>
-            <a:tailEnd type="none" w="med" len="med"/>
+            <a:tailEnd type="triangle"/>
           </a:ln>
         </p:spPr>
         <p:style>
-          <a:lnRef idx="0">
-            <a:scrgbClr r="0" g="0" b="0"/>
+          <a:lnRef idx="1">
+            <a:schemeClr val="accent1"/>
           </a:lnRef>
           <a:fillRef idx="0">
-            <a:scrgbClr r="0" g="0" b="0"/>
+            <a:schemeClr val="accent1"/>
           </a:fillRef>
           <a:effectRef idx="0">
-            <a:scrgbClr r="0" g="0" b="0"/>
+            <a:schemeClr val="accent1"/>
           </a:effectRef>
           <a:fontRef idx="minor">
             <a:schemeClr val="tx1"/>
           </a:fontRef>
         </p:style>
       </p:cxnSp>
-      <p:sp>
-        <p:nvSpPr>
-          <p:cNvPr id="29" name="テキスト ボックス 28">
-            <a:extLst>
-              <a:ext uri="{FF2B5EF4-FFF2-40B4-BE49-F238E27FC236}">
-                <a16:creationId xmlns:a16="http://schemas.microsoft.com/office/drawing/2014/main" id="{18BDEF71-08AB-9247-AD07-82D3709421DA}"/>
-              </a:ext>
-            </a:extLst>
-          </p:cNvPr>
-          <p:cNvSpPr txBox="1"/>
+      <p:cxnSp>
+        <p:nvCxnSpPr>
+          <p:cNvPr id="61" name="直線矢印コネクタ 60">
+            <a:extLst>
+              <a:ext uri="{FF2B5EF4-FFF2-40B4-BE49-F238E27FC236}">
+                <a16:creationId xmlns:a16="http://schemas.microsoft.com/office/drawing/2014/main" id="{171894E6-58CD-4341-A27F-2771AC47493F}"/>
+              </a:ext>
+            </a:extLst>
+          </p:cNvPr>
+          <p:cNvCxnSpPr>
+            <a:cxnSpLocks/>
+          </p:cNvCxnSpPr>
           <p:nvPr/>
-        </p:nvSpPr>
-        <p:spPr>
-          <a:xfrm>
-            <a:off x="8452059" y="3061727"/>
-            <a:ext cx="2097049" cy="369332"/>
-          </a:xfrm>
-          <a:prstGeom prst="rect">
+        </p:nvCxnSpPr>
+        <p:spPr>
+          <a:xfrm flipH="1">
+            <a:off x="4445113" y="3288908"/>
+            <a:ext cx="2738" cy="392477"/>
+          </a:xfrm>
+          <a:prstGeom prst="straightConnector1">
             <a:avLst/>
           </a:prstGeom>
-          <a:noFill/>
-        </p:spPr>
-        <p:txBody>
-          <a:bodyPr wrap="none" rtlCol="0">
-            <a:spAutoFit/>
-          </a:bodyPr>
-          <a:lstStyle/>
-          <a:p>
-            <a:r>
-              <a:rPr kumimoji="1" lang="ja-JP" altLang="en-US"/>
-              <a:t>カメラモジュール </a:t>
-            </a:r>
-          </a:p>
-        </p:txBody>
-      </p:sp>
+          <a:ln w="19050">
+            <a:solidFill>
+              <a:schemeClr val="tx1"/>
+            </a:solidFill>
+            <a:tailEnd type="triangle"/>
+          </a:ln>
+        </p:spPr>
+        <p:style>
+          <a:lnRef idx="1">
+            <a:schemeClr val="dk1"/>
+          </a:lnRef>
+          <a:fillRef idx="0">
+            <a:schemeClr val="dk1"/>
+          </a:fillRef>
+          <a:effectRef idx="0">
+            <a:schemeClr val="dk1"/>
+          </a:effectRef>
+          <a:fontRef idx="minor">
+            <a:schemeClr val="tx1"/>
+          </a:fontRef>
+        </p:style>
+      </p:cxnSp>
+      <p:cxnSp>
+        <p:nvCxnSpPr>
+          <p:cNvPr id="64" name="直線矢印コネクタ 63">
+            <a:extLst>
+              <a:ext uri="{FF2B5EF4-FFF2-40B4-BE49-F238E27FC236}">
+                <a16:creationId xmlns:a16="http://schemas.microsoft.com/office/drawing/2014/main" id="{85643E06-0602-40E8-82EA-102EB5E2F837}"/>
+              </a:ext>
+            </a:extLst>
+          </p:cNvPr>
+          <p:cNvCxnSpPr>
+            <a:cxnSpLocks/>
+          </p:cNvCxnSpPr>
+          <p:nvPr/>
+        </p:nvCxnSpPr>
+        <p:spPr>
+          <a:xfrm flipH="1">
+            <a:off x="4443744" y="4873493"/>
+            <a:ext cx="2738" cy="392477"/>
+          </a:xfrm>
+          <a:prstGeom prst="straightConnector1">
+            <a:avLst/>
+          </a:prstGeom>
+          <a:ln w="19050">
+            <a:solidFill>
+              <a:schemeClr val="tx1"/>
+            </a:solidFill>
+            <a:tailEnd type="triangle"/>
+          </a:ln>
+        </p:spPr>
+        <p:style>
+          <a:lnRef idx="1">
+            <a:schemeClr val="dk1"/>
+          </a:lnRef>
+          <a:fillRef idx="0">
+            <a:schemeClr val="dk1"/>
+          </a:fillRef>
+          <a:effectRef idx="0">
+            <a:schemeClr val="dk1"/>
+          </a:effectRef>
+          <a:fontRef idx="minor">
+            <a:schemeClr val="tx1"/>
+          </a:fontRef>
+        </p:style>
+      </p:cxnSp>
+      <p:cxnSp>
+        <p:nvCxnSpPr>
+          <p:cNvPr id="26" name="カギ線コネクタ 22">
+            <a:extLst>
+              <a:ext uri="{FF2B5EF4-FFF2-40B4-BE49-F238E27FC236}">
+                <a16:creationId xmlns:a16="http://schemas.microsoft.com/office/drawing/2014/main" id="{C39AF04E-494A-48AE-BBA1-E0871B0ED365}"/>
+              </a:ext>
+            </a:extLst>
+          </p:cNvPr>
+          <p:cNvCxnSpPr>
+            <a:cxnSpLocks/>
+            <a:stCxn id="40" idx="1"/>
+            <a:endCxn id="18" idx="3"/>
+          </p:cNvCxnSpPr>
+          <p:nvPr/>
+        </p:nvCxnSpPr>
+        <p:spPr>
+          <a:xfrm rot="10800000">
+            <a:off x="2415260" y="3884214"/>
+            <a:ext cx="960794" cy="1992091"/>
+          </a:xfrm>
+          <a:prstGeom prst="bentConnector3">
+            <a:avLst>
+              <a:gd name="adj1" fmla="val 54555"/>
+            </a:avLst>
+          </a:prstGeom>
+          <a:ln w="19050">
+            <a:solidFill>
+              <a:schemeClr val="tx1"/>
+            </a:solidFill>
+            <a:tailEnd type="triangle"/>
+          </a:ln>
+        </p:spPr>
+        <p:style>
+          <a:lnRef idx="1">
+            <a:schemeClr val="accent1"/>
+          </a:lnRef>
+          <a:fillRef idx="0">
+            <a:schemeClr val="accent1"/>
+          </a:fillRef>
+          <a:effectRef idx="0">
+            <a:schemeClr val="accent1"/>
+          </a:effectRef>
+          <a:fontRef idx="minor">
+            <a:schemeClr val="tx1"/>
+          </a:fontRef>
+        </p:style>
+      </p:cxnSp>
     </p:spTree>
     <p:extLst>
       <p:ext uri="{BB962C8B-B14F-4D97-AF65-F5344CB8AC3E}">
